--- a/pptx/Lesson2.pptx
+++ b/pptx/Lesson2.pptx
@@ -5,10 +5,10 @@
     <p:sldMasterId id="2147483648" r:id="rId1"/>
   </p:sldMasterIdLst>
   <p:notesMasterIdLst>
-    <p:notesMasterId r:id="rId12"/>
+    <p:notesMasterId r:id="rId20"/>
   </p:notesMasterIdLst>
   <p:handoutMasterIdLst>
-    <p:handoutMasterId r:id="rId13"/>
+    <p:handoutMasterId r:id="rId21"/>
   </p:handoutMasterIdLst>
   <p:sldIdLst>
     <p:sldId id="256" r:id="rId2"/>
@@ -20,10 +20,18 @@
     <p:sldId id="298" r:id="rId8"/>
     <p:sldId id="299" r:id="rId9"/>
     <p:sldId id="300" r:id="rId10"/>
-    <p:sldId id="301" r:id="rId11"/>
+    <p:sldId id="308" r:id="rId11"/>
+    <p:sldId id="309" r:id="rId12"/>
+    <p:sldId id="301" r:id="rId13"/>
+    <p:sldId id="302" r:id="rId14"/>
+    <p:sldId id="303" r:id="rId15"/>
+    <p:sldId id="304" r:id="rId16"/>
+    <p:sldId id="305" r:id="rId17"/>
+    <p:sldId id="306" r:id="rId18"/>
+    <p:sldId id="307" r:id="rId19"/>
   </p:sldIdLst>
   <p:sldSz cx="9144000" cy="6858000" type="screen4x3"/>
-  <p:notesSz cx="6858000" cy="9144000"/>
+  <p:notesSz cx="9144000" cy="6858000"/>
   <p:defaultTextStyle>
     <a:defPPr>
       <a:defRPr lang="en-US"/>
@@ -157,7 +165,7 @@
         <p:spPr>
           <a:xfrm>
             <a:off x="0" y="0"/>
-            <a:ext cx="2971800" cy="457200"/>
+            <a:ext cx="3962400" cy="342900"/>
           </a:xfrm>
           <a:prstGeom prst="rect">
             <a:avLst/>
@@ -187,8 +195,8 @@
         </p:nvSpPr>
         <p:spPr>
           <a:xfrm>
-            <a:off x="3884613" y="0"/>
-            <a:ext cx="2971800" cy="457200"/>
+            <a:off x="5179484" y="0"/>
+            <a:ext cx="3962400" cy="342900"/>
           </a:xfrm>
           <a:prstGeom prst="rect">
             <a:avLst/>
@@ -222,8 +230,8 @@
         </p:nvSpPr>
         <p:spPr>
           <a:xfrm>
-            <a:off x="0" y="8685213"/>
-            <a:ext cx="2971800" cy="457200"/>
+            <a:off x="0" y="6513910"/>
+            <a:ext cx="3962400" cy="342900"/>
           </a:xfrm>
           <a:prstGeom prst="rect">
             <a:avLst/>
@@ -253,8 +261,8 @@
         </p:nvSpPr>
         <p:spPr>
           <a:xfrm>
-            <a:off x="3884613" y="8685213"/>
-            <a:ext cx="2971800" cy="457200"/>
+            <a:off x="5179484" y="6513910"/>
+            <a:ext cx="3962400" cy="342900"/>
           </a:xfrm>
           <a:prstGeom prst="rect">
             <a:avLst/>
@@ -323,7 +331,7 @@
         <p:spPr>
           <a:xfrm>
             <a:off x="0" y="0"/>
-            <a:ext cx="2971800" cy="457200"/>
+            <a:ext cx="3962400" cy="342900"/>
           </a:xfrm>
           <a:prstGeom prst="rect">
             <a:avLst/>
@@ -353,8 +361,8 @@
         </p:nvSpPr>
         <p:spPr>
           <a:xfrm>
-            <a:off x="3884613" y="0"/>
-            <a:ext cx="2971800" cy="457200"/>
+            <a:off x="5179484" y="0"/>
+            <a:ext cx="3962400" cy="342900"/>
           </a:xfrm>
           <a:prstGeom prst="rect">
             <a:avLst/>
@@ -388,8 +396,8 @@
         </p:nvSpPr>
         <p:spPr>
           <a:xfrm>
-            <a:off x="1143000" y="685800"/>
-            <a:ext cx="4572000" cy="3429000"/>
+            <a:off x="2857500" y="514350"/>
+            <a:ext cx="3429000" cy="2571750"/>
           </a:xfrm>
           <a:prstGeom prst="rect">
             <a:avLst/>
@@ -421,8 +429,8 @@
         </p:nvSpPr>
         <p:spPr>
           <a:xfrm>
-            <a:off x="685800" y="4343400"/>
-            <a:ext cx="5486400" cy="4114800"/>
+            <a:off x="914400" y="3257550"/>
+            <a:ext cx="7315200" cy="3086100"/>
           </a:xfrm>
           <a:prstGeom prst="rect">
             <a:avLst/>
@@ -481,8 +489,8 @@
         </p:nvSpPr>
         <p:spPr>
           <a:xfrm>
-            <a:off x="0" y="8685213"/>
-            <a:ext cx="2971800" cy="457200"/>
+            <a:off x="0" y="6513910"/>
+            <a:ext cx="3962400" cy="342900"/>
           </a:xfrm>
           <a:prstGeom prst="rect">
             <a:avLst/>
@@ -512,8 +520,8 @@
         </p:nvSpPr>
         <p:spPr>
           <a:xfrm>
-            <a:off x="3884613" y="8685213"/>
-            <a:ext cx="2971800" cy="457200"/>
+            <a:off x="5179484" y="6513910"/>
+            <a:ext cx="3962400" cy="342900"/>
           </a:xfrm>
           <a:prstGeom prst="rect">
             <a:avLst/>
@@ -723,6 +731,932 @@
 </p:notes>
 </file>
 
+<file path=ppt/notesSlides/notesSlide10.xml><?xml version="1.0" encoding="utf-8"?>
+<p:notes xmlns:a="http://schemas.openxmlformats.org/drawingml/2006/main" xmlns:r="http://schemas.openxmlformats.org/officeDocument/2006/relationships" xmlns:p="http://schemas.openxmlformats.org/presentationml/2006/main">
+  <p:cSld>
+    <p:spTree>
+      <p:nvGrpSpPr>
+        <p:cNvPr id="1" name=""/>
+        <p:cNvGrpSpPr/>
+        <p:nvPr/>
+      </p:nvGrpSpPr>
+      <p:grpSpPr>
+        <a:xfrm>
+          <a:off x="0" y="0"/>
+          <a:ext cx="0" cy="0"/>
+          <a:chOff x="0" y="0"/>
+          <a:chExt cx="0" cy="0"/>
+        </a:xfrm>
+      </p:grpSpPr>
+      <p:sp>
+        <p:nvSpPr>
+          <p:cNvPr id="2" name="Slide Image Placeholder 1"/>
+          <p:cNvSpPr>
+            <a:spLocks noGrp="1" noRot="1" noChangeAspect="1"/>
+          </p:cNvSpPr>
+          <p:nvPr>
+            <p:ph type="sldImg"/>
+          </p:nvPr>
+        </p:nvSpPr>
+        <p:spPr/>
+      </p:sp>
+      <p:sp>
+        <p:nvSpPr>
+          <p:cNvPr id="3" name="Notes Placeholder 2"/>
+          <p:cNvSpPr>
+            <a:spLocks noGrp="1"/>
+          </p:cNvSpPr>
+          <p:nvPr>
+            <p:ph type="body" idx="1"/>
+          </p:nvPr>
+        </p:nvSpPr>
+        <p:spPr/>
+        <p:txBody>
+          <a:bodyPr/>
+          <a:lstStyle/>
+          <a:p>
+            <a:r>
+              <a:rPr lang="en-US" dirty="0" smtClean="0"/>
+              <a:t>Because Android is made up of 2</a:t>
+            </a:r>
+            <a:r>
+              <a:rPr lang="en-US" baseline="0" dirty="0" smtClean="0"/>
+              <a:t> parts, java source and XML resources, there needs to be a way for the java code to access and use the xml resources. The way that this is handled is by using a file called </a:t>
+            </a:r>
+            <a:r>
+              <a:rPr lang="en-US" baseline="0" dirty="0" err="1" smtClean="0"/>
+              <a:t>R.java</a:t>
+            </a:r>
+            <a:r>
+              <a:rPr lang="en-US" baseline="0" dirty="0" smtClean="0"/>
+              <a:t>.</a:t>
+            </a:r>
+          </a:p>
+          <a:p>
+            <a:endParaRPr lang="en-US" baseline="0" dirty="0" smtClean="0"/>
+          </a:p>
+          <a:p>
+            <a:r>
+              <a:rPr lang="en-US" baseline="0" dirty="0" err="1" smtClean="0"/>
+              <a:t>R.Java</a:t>
+            </a:r>
+            <a:r>
+              <a:rPr lang="en-US" baseline="0" dirty="0" smtClean="0"/>
+              <a:t> is automatically generated for you and lives under the build/source/r folder.</a:t>
+            </a:r>
+          </a:p>
+          <a:p>
+            <a:endParaRPr lang="en-US" baseline="0" dirty="0" smtClean="0"/>
+          </a:p>
+          <a:p>
+            <a:r>
+              <a:rPr lang="en-US" dirty="0" smtClean="0"/>
+              <a:t>Every XML</a:t>
+            </a:r>
+            <a:r>
+              <a:rPr lang="en-US" baseline="0" dirty="0" smtClean="0"/>
+              <a:t> resource is given an ID which you can reference in code using the static </a:t>
+            </a:r>
+            <a:r>
+              <a:rPr lang="en-US" baseline="0" dirty="0" err="1" smtClean="0"/>
+              <a:t>ints</a:t>
+            </a:r>
+            <a:r>
+              <a:rPr lang="en-US" baseline="0" dirty="0" smtClean="0"/>
+              <a:t> found in R like so</a:t>
+            </a:r>
+            <a:endParaRPr lang="en-US" dirty="0"/>
+          </a:p>
+        </p:txBody>
+      </p:sp>
+      <p:sp>
+        <p:nvSpPr>
+          <p:cNvPr id="4" name="Slide Number Placeholder 3"/>
+          <p:cNvSpPr>
+            <a:spLocks noGrp="1"/>
+          </p:cNvSpPr>
+          <p:nvPr>
+            <p:ph type="sldNum" sz="quarter" idx="10"/>
+          </p:nvPr>
+        </p:nvSpPr>
+        <p:spPr/>
+        <p:txBody>
+          <a:bodyPr/>
+          <a:lstStyle/>
+          <a:p>
+            <a:fld id="{163AD53F-C4C6-B540-BE5D-2EDF9F602047}" type="slidenum">
+              <a:rPr lang="en-US" smtClean="0"/>
+              <a:t>10</a:t>
+            </a:fld>
+            <a:endParaRPr lang="en-US"/>
+          </a:p>
+        </p:txBody>
+      </p:sp>
+    </p:spTree>
+    <p:extLst>
+      <p:ext uri="{BB962C8B-B14F-4D97-AF65-F5344CB8AC3E}">
+        <p14:creationId xmlns:p14="http://schemas.microsoft.com/office/powerpoint/2010/main" val="3436678898"/>
+      </p:ext>
+    </p:extLst>
+  </p:cSld>
+  <p:clrMapOvr>
+    <a:masterClrMapping/>
+  </p:clrMapOvr>
+</p:notes>
+</file>
+
+<file path=ppt/notesSlides/notesSlide11.xml><?xml version="1.0" encoding="utf-8"?>
+<p:notes xmlns:a="http://schemas.openxmlformats.org/drawingml/2006/main" xmlns:r="http://schemas.openxmlformats.org/officeDocument/2006/relationships" xmlns:p="http://schemas.openxmlformats.org/presentationml/2006/main">
+  <p:cSld>
+    <p:spTree>
+      <p:nvGrpSpPr>
+        <p:cNvPr id="1" name=""/>
+        <p:cNvGrpSpPr/>
+        <p:nvPr/>
+      </p:nvGrpSpPr>
+      <p:grpSpPr>
+        <a:xfrm>
+          <a:off x="0" y="0"/>
+          <a:ext cx="0" cy="0"/>
+          <a:chOff x="0" y="0"/>
+          <a:chExt cx="0" cy="0"/>
+        </a:xfrm>
+      </p:grpSpPr>
+      <p:sp>
+        <p:nvSpPr>
+          <p:cNvPr id="2" name="Slide Image Placeholder 1"/>
+          <p:cNvSpPr>
+            <a:spLocks noGrp="1" noRot="1" noChangeAspect="1"/>
+          </p:cNvSpPr>
+          <p:nvPr>
+            <p:ph type="sldImg"/>
+          </p:nvPr>
+        </p:nvSpPr>
+        <p:spPr/>
+      </p:sp>
+      <p:sp>
+        <p:nvSpPr>
+          <p:cNvPr id="3" name="Notes Placeholder 2"/>
+          <p:cNvSpPr>
+            <a:spLocks noGrp="1"/>
+          </p:cNvSpPr>
+          <p:nvPr>
+            <p:ph type="body" idx="1"/>
+          </p:nvPr>
+        </p:nvSpPr>
+        <p:spPr/>
+        <p:txBody>
+          <a:bodyPr/>
+          <a:lstStyle/>
+          <a:p>
+            <a:r>
+              <a:rPr lang="en-US" dirty="0" smtClean="0"/>
+              <a:t>When</a:t>
+            </a:r>
+            <a:r>
+              <a:rPr lang="en-US" baseline="0" dirty="0" smtClean="0"/>
+              <a:t> writing code, 9 times out of 10, the method which you’re using to change the UI will have at least 2 overflows, one for straight input via code, and one for reference to a resource</a:t>
+            </a:r>
+          </a:p>
+          <a:p>
+            <a:endParaRPr lang="en-US" baseline="0" dirty="0" smtClean="0"/>
+          </a:p>
+          <a:p>
+            <a:r>
+              <a:rPr lang="en-US" baseline="0" dirty="0" smtClean="0"/>
+              <a:t>Here we have the option to either write in text manually, or reference a resource file which would be stored in the </a:t>
+            </a:r>
+            <a:r>
+              <a:rPr lang="en-US" baseline="0" dirty="0" err="1" smtClean="0"/>
+              <a:t>strings.xml</a:t>
+            </a:r>
+            <a:r>
+              <a:rPr lang="en-US" baseline="0" dirty="0" smtClean="0"/>
+              <a:t> file such as the “</a:t>
+            </a:r>
+            <a:r>
+              <a:rPr lang="en-US" baseline="0" dirty="0" err="1" smtClean="0"/>
+              <a:t>hello_world</a:t>
+            </a:r>
+            <a:r>
+              <a:rPr lang="en-US" baseline="0" dirty="0" smtClean="0"/>
+              <a:t>” field we used before</a:t>
+            </a:r>
+            <a:endParaRPr lang="en-US" dirty="0"/>
+          </a:p>
+        </p:txBody>
+      </p:sp>
+      <p:sp>
+        <p:nvSpPr>
+          <p:cNvPr id="4" name="Slide Number Placeholder 3"/>
+          <p:cNvSpPr>
+            <a:spLocks noGrp="1"/>
+          </p:cNvSpPr>
+          <p:nvPr>
+            <p:ph type="sldNum" sz="quarter" idx="10"/>
+          </p:nvPr>
+        </p:nvSpPr>
+        <p:spPr/>
+        <p:txBody>
+          <a:bodyPr/>
+          <a:lstStyle/>
+          <a:p>
+            <a:fld id="{163AD53F-C4C6-B540-BE5D-2EDF9F602047}" type="slidenum">
+              <a:rPr lang="en-US" smtClean="0"/>
+              <a:t>11</a:t>
+            </a:fld>
+            <a:endParaRPr lang="en-US"/>
+          </a:p>
+        </p:txBody>
+      </p:sp>
+    </p:spTree>
+    <p:extLst>
+      <p:ext uri="{BB962C8B-B14F-4D97-AF65-F5344CB8AC3E}">
+        <p14:creationId xmlns:p14="http://schemas.microsoft.com/office/powerpoint/2010/main" val="3210358038"/>
+      </p:ext>
+    </p:extLst>
+  </p:cSld>
+  <p:clrMapOvr>
+    <a:masterClrMapping/>
+  </p:clrMapOvr>
+</p:notes>
+</file>
+
+<file path=ppt/notesSlides/notesSlide12.xml><?xml version="1.0" encoding="utf-8"?>
+<p:notes xmlns:a="http://schemas.openxmlformats.org/drawingml/2006/main" xmlns:r="http://schemas.openxmlformats.org/officeDocument/2006/relationships" xmlns:p="http://schemas.openxmlformats.org/presentationml/2006/main">
+  <p:cSld>
+    <p:spTree>
+      <p:nvGrpSpPr>
+        <p:cNvPr id="1" name=""/>
+        <p:cNvGrpSpPr/>
+        <p:nvPr/>
+      </p:nvGrpSpPr>
+      <p:grpSpPr>
+        <a:xfrm>
+          <a:off x="0" y="0"/>
+          <a:ext cx="0" cy="0"/>
+          <a:chOff x="0" y="0"/>
+          <a:chExt cx="0" cy="0"/>
+        </a:xfrm>
+      </p:grpSpPr>
+      <p:sp>
+        <p:nvSpPr>
+          <p:cNvPr id="2" name="Slide Image Placeholder 1"/>
+          <p:cNvSpPr>
+            <a:spLocks noGrp="1" noRot="1" noChangeAspect="1"/>
+          </p:cNvSpPr>
+          <p:nvPr>
+            <p:ph type="sldImg"/>
+          </p:nvPr>
+        </p:nvSpPr>
+        <p:spPr/>
+      </p:sp>
+      <p:sp>
+        <p:nvSpPr>
+          <p:cNvPr id="3" name="Notes Placeholder 2"/>
+          <p:cNvSpPr>
+            <a:spLocks noGrp="1"/>
+          </p:cNvSpPr>
+          <p:nvPr>
+            <p:ph type="body" idx="1"/>
+          </p:nvPr>
+        </p:nvSpPr>
+        <p:spPr/>
+        <p:txBody>
+          <a:bodyPr/>
+          <a:lstStyle/>
+          <a:p>
+            <a:r>
+              <a:rPr lang="en-US" dirty="0" smtClean="0"/>
+              <a:t>Adapters are very clever</a:t>
+            </a:r>
+            <a:r>
+              <a:rPr lang="en-US" baseline="0" dirty="0" smtClean="0"/>
+              <a:t> in its design of serving a large data set to the UI of an app. The pattern consists of a few core methods.</a:t>
+            </a:r>
+            <a:endParaRPr lang="en-US" dirty="0"/>
+          </a:p>
+        </p:txBody>
+      </p:sp>
+      <p:sp>
+        <p:nvSpPr>
+          <p:cNvPr id="4" name="Slide Number Placeholder 3"/>
+          <p:cNvSpPr>
+            <a:spLocks noGrp="1"/>
+          </p:cNvSpPr>
+          <p:nvPr>
+            <p:ph type="sldNum" sz="quarter" idx="10"/>
+          </p:nvPr>
+        </p:nvSpPr>
+        <p:spPr/>
+        <p:txBody>
+          <a:bodyPr/>
+          <a:lstStyle/>
+          <a:p>
+            <a:fld id="{163AD53F-C4C6-B540-BE5D-2EDF9F602047}" type="slidenum">
+              <a:rPr lang="en-US" smtClean="0"/>
+              <a:t>12</a:t>
+            </a:fld>
+            <a:endParaRPr lang="en-US"/>
+          </a:p>
+        </p:txBody>
+      </p:sp>
+    </p:spTree>
+    <p:extLst>
+      <p:ext uri="{BB962C8B-B14F-4D97-AF65-F5344CB8AC3E}">
+        <p14:creationId xmlns:p14="http://schemas.microsoft.com/office/powerpoint/2010/main" val="1999398532"/>
+      </p:ext>
+    </p:extLst>
+  </p:cSld>
+  <p:clrMapOvr>
+    <a:masterClrMapping/>
+  </p:clrMapOvr>
+</p:notes>
+</file>
+
+<file path=ppt/notesSlides/notesSlide13.xml><?xml version="1.0" encoding="utf-8"?>
+<p:notes xmlns:a="http://schemas.openxmlformats.org/drawingml/2006/main" xmlns:r="http://schemas.openxmlformats.org/officeDocument/2006/relationships" xmlns:p="http://schemas.openxmlformats.org/presentationml/2006/main">
+  <p:cSld>
+    <p:spTree>
+      <p:nvGrpSpPr>
+        <p:cNvPr id="1" name=""/>
+        <p:cNvGrpSpPr/>
+        <p:nvPr/>
+      </p:nvGrpSpPr>
+      <p:grpSpPr>
+        <a:xfrm>
+          <a:off x="0" y="0"/>
+          <a:ext cx="0" cy="0"/>
+          <a:chOff x="0" y="0"/>
+          <a:chExt cx="0" cy="0"/>
+        </a:xfrm>
+      </p:grpSpPr>
+      <p:sp>
+        <p:nvSpPr>
+          <p:cNvPr id="2" name="Slide Image Placeholder 1"/>
+          <p:cNvSpPr>
+            <a:spLocks noGrp="1" noRot="1" noChangeAspect="1"/>
+          </p:cNvSpPr>
+          <p:nvPr>
+            <p:ph type="sldImg"/>
+          </p:nvPr>
+        </p:nvSpPr>
+        <p:spPr/>
+      </p:sp>
+      <p:sp>
+        <p:nvSpPr>
+          <p:cNvPr id="3" name="Notes Placeholder 2"/>
+          <p:cNvSpPr>
+            <a:spLocks noGrp="1"/>
+          </p:cNvSpPr>
+          <p:nvPr>
+            <p:ph type="body" idx="1"/>
+          </p:nvPr>
+        </p:nvSpPr>
+        <p:spPr/>
+        <p:txBody>
+          <a:bodyPr/>
+          <a:lstStyle/>
+          <a:p>
+            <a:endParaRPr lang="en-US" dirty="0"/>
+          </a:p>
+        </p:txBody>
+      </p:sp>
+      <p:sp>
+        <p:nvSpPr>
+          <p:cNvPr id="4" name="Slide Number Placeholder 3"/>
+          <p:cNvSpPr>
+            <a:spLocks noGrp="1"/>
+          </p:cNvSpPr>
+          <p:nvPr>
+            <p:ph type="sldNum" sz="quarter" idx="10"/>
+          </p:nvPr>
+        </p:nvSpPr>
+        <p:spPr/>
+        <p:txBody>
+          <a:bodyPr/>
+          <a:lstStyle/>
+          <a:p>
+            <a:fld id="{163AD53F-C4C6-B540-BE5D-2EDF9F602047}" type="slidenum">
+              <a:rPr lang="en-US" smtClean="0"/>
+              <a:t>13</a:t>
+            </a:fld>
+            <a:endParaRPr lang="en-US"/>
+          </a:p>
+        </p:txBody>
+      </p:sp>
+    </p:spTree>
+    <p:extLst>
+      <p:ext uri="{BB962C8B-B14F-4D97-AF65-F5344CB8AC3E}">
+        <p14:creationId xmlns:p14="http://schemas.microsoft.com/office/powerpoint/2010/main" val="1999398532"/>
+      </p:ext>
+    </p:extLst>
+  </p:cSld>
+  <p:clrMapOvr>
+    <a:masterClrMapping/>
+  </p:clrMapOvr>
+</p:notes>
+</file>
+
+<file path=ppt/notesSlides/notesSlide14.xml><?xml version="1.0" encoding="utf-8"?>
+<p:notes xmlns:a="http://schemas.openxmlformats.org/drawingml/2006/main" xmlns:r="http://schemas.openxmlformats.org/officeDocument/2006/relationships" xmlns:p="http://schemas.openxmlformats.org/presentationml/2006/main">
+  <p:cSld>
+    <p:spTree>
+      <p:nvGrpSpPr>
+        <p:cNvPr id="1" name=""/>
+        <p:cNvGrpSpPr/>
+        <p:nvPr/>
+      </p:nvGrpSpPr>
+      <p:grpSpPr>
+        <a:xfrm>
+          <a:off x="0" y="0"/>
+          <a:ext cx="0" cy="0"/>
+          <a:chOff x="0" y="0"/>
+          <a:chExt cx="0" cy="0"/>
+        </a:xfrm>
+      </p:grpSpPr>
+      <p:sp>
+        <p:nvSpPr>
+          <p:cNvPr id="2" name="Slide Image Placeholder 1"/>
+          <p:cNvSpPr>
+            <a:spLocks noGrp="1" noRot="1" noChangeAspect="1"/>
+          </p:cNvSpPr>
+          <p:nvPr>
+            <p:ph type="sldImg"/>
+          </p:nvPr>
+        </p:nvSpPr>
+        <p:spPr/>
+      </p:sp>
+      <p:sp>
+        <p:nvSpPr>
+          <p:cNvPr id="3" name="Notes Placeholder 2"/>
+          <p:cNvSpPr>
+            <a:spLocks noGrp="1"/>
+          </p:cNvSpPr>
+          <p:nvPr>
+            <p:ph type="body" idx="1"/>
+          </p:nvPr>
+        </p:nvSpPr>
+        <p:spPr/>
+        <p:txBody>
+          <a:bodyPr/>
+          <a:lstStyle/>
+          <a:p>
+            <a:endParaRPr lang="en-US" dirty="0"/>
+          </a:p>
+        </p:txBody>
+      </p:sp>
+      <p:sp>
+        <p:nvSpPr>
+          <p:cNvPr id="4" name="Slide Number Placeholder 3"/>
+          <p:cNvSpPr>
+            <a:spLocks noGrp="1"/>
+          </p:cNvSpPr>
+          <p:nvPr>
+            <p:ph type="sldNum" sz="quarter" idx="10"/>
+          </p:nvPr>
+        </p:nvSpPr>
+        <p:spPr/>
+        <p:txBody>
+          <a:bodyPr/>
+          <a:lstStyle/>
+          <a:p>
+            <a:fld id="{163AD53F-C4C6-B540-BE5D-2EDF9F602047}" type="slidenum">
+              <a:rPr lang="en-US" smtClean="0"/>
+              <a:t>14</a:t>
+            </a:fld>
+            <a:endParaRPr lang="en-US"/>
+          </a:p>
+        </p:txBody>
+      </p:sp>
+    </p:spTree>
+    <p:extLst>
+      <p:ext uri="{BB962C8B-B14F-4D97-AF65-F5344CB8AC3E}">
+        <p14:creationId xmlns:p14="http://schemas.microsoft.com/office/powerpoint/2010/main" val="1999398532"/>
+      </p:ext>
+    </p:extLst>
+  </p:cSld>
+  <p:clrMapOvr>
+    <a:masterClrMapping/>
+  </p:clrMapOvr>
+</p:notes>
+</file>
+
+<file path=ppt/notesSlides/notesSlide15.xml><?xml version="1.0" encoding="utf-8"?>
+<p:notes xmlns:a="http://schemas.openxmlformats.org/drawingml/2006/main" xmlns:r="http://schemas.openxmlformats.org/officeDocument/2006/relationships" xmlns:p="http://schemas.openxmlformats.org/presentationml/2006/main">
+  <p:cSld>
+    <p:spTree>
+      <p:nvGrpSpPr>
+        <p:cNvPr id="1" name=""/>
+        <p:cNvGrpSpPr/>
+        <p:nvPr/>
+      </p:nvGrpSpPr>
+      <p:grpSpPr>
+        <a:xfrm>
+          <a:off x="0" y="0"/>
+          <a:ext cx="0" cy="0"/>
+          <a:chOff x="0" y="0"/>
+          <a:chExt cx="0" cy="0"/>
+        </a:xfrm>
+      </p:grpSpPr>
+      <p:sp>
+        <p:nvSpPr>
+          <p:cNvPr id="2" name="Slide Image Placeholder 1"/>
+          <p:cNvSpPr>
+            <a:spLocks noGrp="1" noRot="1" noChangeAspect="1"/>
+          </p:cNvSpPr>
+          <p:nvPr>
+            <p:ph type="sldImg"/>
+          </p:nvPr>
+        </p:nvSpPr>
+        <p:spPr/>
+      </p:sp>
+      <p:sp>
+        <p:nvSpPr>
+          <p:cNvPr id="3" name="Notes Placeholder 2"/>
+          <p:cNvSpPr>
+            <a:spLocks noGrp="1"/>
+          </p:cNvSpPr>
+          <p:nvPr>
+            <p:ph type="body" idx="1"/>
+          </p:nvPr>
+        </p:nvSpPr>
+        <p:spPr/>
+        <p:txBody>
+          <a:bodyPr/>
+          <a:lstStyle/>
+          <a:p>
+            <a:endParaRPr lang="en-US" dirty="0"/>
+          </a:p>
+        </p:txBody>
+      </p:sp>
+      <p:sp>
+        <p:nvSpPr>
+          <p:cNvPr id="4" name="Slide Number Placeholder 3"/>
+          <p:cNvSpPr>
+            <a:spLocks noGrp="1"/>
+          </p:cNvSpPr>
+          <p:nvPr>
+            <p:ph type="sldNum" sz="quarter" idx="10"/>
+          </p:nvPr>
+        </p:nvSpPr>
+        <p:spPr/>
+        <p:txBody>
+          <a:bodyPr/>
+          <a:lstStyle/>
+          <a:p>
+            <a:fld id="{163AD53F-C4C6-B540-BE5D-2EDF9F602047}" type="slidenum">
+              <a:rPr lang="en-US" smtClean="0"/>
+              <a:t>15</a:t>
+            </a:fld>
+            <a:endParaRPr lang="en-US"/>
+          </a:p>
+        </p:txBody>
+      </p:sp>
+    </p:spTree>
+    <p:extLst>
+      <p:ext uri="{BB962C8B-B14F-4D97-AF65-F5344CB8AC3E}">
+        <p14:creationId xmlns:p14="http://schemas.microsoft.com/office/powerpoint/2010/main" val="1999398532"/>
+      </p:ext>
+    </p:extLst>
+  </p:cSld>
+  <p:clrMapOvr>
+    <a:masterClrMapping/>
+  </p:clrMapOvr>
+</p:notes>
+</file>
+
+<file path=ppt/notesSlides/notesSlide16.xml><?xml version="1.0" encoding="utf-8"?>
+<p:notes xmlns:a="http://schemas.openxmlformats.org/drawingml/2006/main" xmlns:r="http://schemas.openxmlformats.org/officeDocument/2006/relationships" xmlns:p="http://schemas.openxmlformats.org/presentationml/2006/main">
+  <p:cSld>
+    <p:spTree>
+      <p:nvGrpSpPr>
+        <p:cNvPr id="1" name=""/>
+        <p:cNvGrpSpPr/>
+        <p:nvPr/>
+      </p:nvGrpSpPr>
+      <p:grpSpPr>
+        <a:xfrm>
+          <a:off x="0" y="0"/>
+          <a:ext cx="0" cy="0"/>
+          <a:chOff x="0" y="0"/>
+          <a:chExt cx="0" cy="0"/>
+        </a:xfrm>
+      </p:grpSpPr>
+      <p:sp>
+        <p:nvSpPr>
+          <p:cNvPr id="2" name="Slide Image Placeholder 1"/>
+          <p:cNvSpPr>
+            <a:spLocks noGrp="1" noRot="1" noChangeAspect="1"/>
+          </p:cNvSpPr>
+          <p:nvPr>
+            <p:ph type="sldImg"/>
+          </p:nvPr>
+        </p:nvSpPr>
+        <p:spPr/>
+      </p:sp>
+      <p:sp>
+        <p:nvSpPr>
+          <p:cNvPr id="3" name="Notes Placeholder 2"/>
+          <p:cNvSpPr>
+            <a:spLocks noGrp="1"/>
+          </p:cNvSpPr>
+          <p:nvPr>
+            <p:ph type="body" idx="1"/>
+          </p:nvPr>
+        </p:nvSpPr>
+        <p:spPr/>
+        <p:txBody>
+          <a:bodyPr/>
+          <a:lstStyle/>
+          <a:p>
+            <a:endParaRPr lang="en-US" dirty="0"/>
+          </a:p>
+        </p:txBody>
+      </p:sp>
+      <p:sp>
+        <p:nvSpPr>
+          <p:cNvPr id="4" name="Slide Number Placeholder 3"/>
+          <p:cNvSpPr>
+            <a:spLocks noGrp="1"/>
+          </p:cNvSpPr>
+          <p:nvPr>
+            <p:ph type="sldNum" sz="quarter" idx="10"/>
+          </p:nvPr>
+        </p:nvSpPr>
+        <p:spPr/>
+        <p:txBody>
+          <a:bodyPr/>
+          <a:lstStyle/>
+          <a:p>
+            <a:fld id="{163AD53F-C4C6-B540-BE5D-2EDF9F602047}" type="slidenum">
+              <a:rPr lang="en-US" smtClean="0"/>
+              <a:t>16</a:t>
+            </a:fld>
+            <a:endParaRPr lang="en-US"/>
+          </a:p>
+        </p:txBody>
+      </p:sp>
+    </p:spTree>
+    <p:extLst>
+      <p:ext uri="{BB962C8B-B14F-4D97-AF65-F5344CB8AC3E}">
+        <p14:creationId xmlns:p14="http://schemas.microsoft.com/office/powerpoint/2010/main" val="1999398532"/>
+      </p:ext>
+    </p:extLst>
+  </p:cSld>
+  <p:clrMapOvr>
+    <a:masterClrMapping/>
+  </p:clrMapOvr>
+</p:notes>
+</file>
+
+<file path=ppt/notesSlides/notesSlide17.xml><?xml version="1.0" encoding="utf-8"?>
+<p:notes xmlns:a="http://schemas.openxmlformats.org/drawingml/2006/main" xmlns:r="http://schemas.openxmlformats.org/officeDocument/2006/relationships" xmlns:p="http://schemas.openxmlformats.org/presentationml/2006/main">
+  <p:cSld>
+    <p:spTree>
+      <p:nvGrpSpPr>
+        <p:cNvPr id="1" name=""/>
+        <p:cNvGrpSpPr/>
+        <p:nvPr/>
+      </p:nvGrpSpPr>
+      <p:grpSpPr>
+        <a:xfrm>
+          <a:off x="0" y="0"/>
+          <a:ext cx="0" cy="0"/>
+          <a:chOff x="0" y="0"/>
+          <a:chExt cx="0" cy="0"/>
+        </a:xfrm>
+      </p:grpSpPr>
+      <p:sp>
+        <p:nvSpPr>
+          <p:cNvPr id="2" name="Slide Image Placeholder 1"/>
+          <p:cNvSpPr>
+            <a:spLocks noGrp="1" noRot="1" noChangeAspect="1"/>
+          </p:cNvSpPr>
+          <p:nvPr>
+            <p:ph type="sldImg"/>
+          </p:nvPr>
+        </p:nvSpPr>
+        <p:spPr/>
+      </p:sp>
+      <p:sp>
+        <p:nvSpPr>
+          <p:cNvPr id="3" name="Notes Placeholder 2"/>
+          <p:cNvSpPr>
+            <a:spLocks noGrp="1"/>
+          </p:cNvSpPr>
+          <p:nvPr>
+            <p:ph type="body" idx="1"/>
+          </p:nvPr>
+        </p:nvSpPr>
+        <p:spPr/>
+        <p:txBody>
+          <a:bodyPr/>
+          <a:lstStyle/>
+          <a:p>
+            <a:r>
+              <a:rPr lang="en-US" dirty="0" smtClean="0"/>
+              <a:t>List views are very clever</a:t>
+            </a:r>
+            <a:r>
+              <a:rPr lang="en-US" baseline="0" dirty="0" smtClean="0"/>
+              <a:t> with how they show the views on the screen. If you have a data set of say 10,000 items, obviously to have 10,000 views on the screen would cause the phone to firstly crash, but also to be EXTREMELY slow. The way a list view works to solve this is called </a:t>
+            </a:r>
+            <a:r>
+              <a:rPr lang="en-US" b="1" baseline="0" dirty="0" smtClean="0"/>
+              <a:t>view recycling.</a:t>
+            </a:r>
+          </a:p>
+          <a:p>
+            <a:endParaRPr lang="en-US" b="1" baseline="0" dirty="0" smtClean="0"/>
+          </a:p>
+          <a:p>
+            <a:endParaRPr lang="en-US" b="1" dirty="0" smtClean="0"/>
+          </a:p>
+          <a:p>
+            <a:r>
+              <a:rPr lang="en-US" b="0" dirty="0" smtClean="0"/>
+              <a:t>When</a:t>
+            </a:r>
+            <a:r>
+              <a:rPr lang="en-US" b="0" baseline="0" dirty="0" smtClean="0"/>
+              <a:t> you scroll up or down, the view at the top or bottom drops off the screen, when it is no longer visible, it will get put into a scrap view heap, and when a new view is shown on the screen, that view is recycled from the stack, back on to the screen. This is why when we only set the views when </a:t>
+            </a:r>
+            <a:r>
+              <a:rPr lang="en-US" b="0" baseline="0" dirty="0" err="1" smtClean="0"/>
+              <a:t>convertView</a:t>
+            </a:r>
+            <a:r>
+              <a:rPr lang="en-US" b="0" baseline="0" dirty="0" smtClean="0"/>
+              <a:t> is null, it will jump around as you scroll.</a:t>
+            </a:r>
+          </a:p>
+        </p:txBody>
+      </p:sp>
+      <p:sp>
+        <p:nvSpPr>
+          <p:cNvPr id="4" name="Slide Number Placeholder 3"/>
+          <p:cNvSpPr>
+            <a:spLocks noGrp="1"/>
+          </p:cNvSpPr>
+          <p:nvPr>
+            <p:ph type="sldNum" sz="quarter" idx="10"/>
+          </p:nvPr>
+        </p:nvSpPr>
+        <p:spPr/>
+        <p:txBody>
+          <a:bodyPr/>
+          <a:lstStyle/>
+          <a:p>
+            <a:fld id="{163AD53F-C4C6-B540-BE5D-2EDF9F602047}" type="slidenum">
+              <a:rPr lang="en-US" smtClean="0"/>
+              <a:t>17</a:t>
+            </a:fld>
+            <a:endParaRPr lang="en-US"/>
+          </a:p>
+        </p:txBody>
+      </p:sp>
+    </p:spTree>
+    <p:extLst>
+      <p:ext uri="{BB962C8B-B14F-4D97-AF65-F5344CB8AC3E}">
+        <p14:creationId xmlns:p14="http://schemas.microsoft.com/office/powerpoint/2010/main" val="1999398532"/>
+      </p:ext>
+    </p:extLst>
+  </p:cSld>
+  <p:clrMapOvr>
+    <a:masterClrMapping/>
+  </p:clrMapOvr>
+</p:notes>
+</file>
+
+<file path=ppt/notesSlides/notesSlide18.xml><?xml version="1.0" encoding="utf-8"?>
+<p:notes xmlns:a="http://schemas.openxmlformats.org/drawingml/2006/main" xmlns:r="http://schemas.openxmlformats.org/officeDocument/2006/relationships" xmlns:p="http://schemas.openxmlformats.org/presentationml/2006/main">
+  <p:cSld>
+    <p:spTree>
+      <p:nvGrpSpPr>
+        <p:cNvPr id="1" name=""/>
+        <p:cNvGrpSpPr/>
+        <p:nvPr/>
+      </p:nvGrpSpPr>
+      <p:grpSpPr>
+        <a:xfrm>
+          <a:off x="0" y="0"/>
+          <a:ext cx="0" cy="0"/>
+          <a:chOff x="0" y="0"/>
+          <a:chExt cx="0" cy="0"/>
+        </a:xfrm>
+      </p:grpSpPr>
+      <p:sp>
+        <p:nvSpPr>
+          <p:cNvPr id="2" name="Slide Image Placeholder 1"/>
+          <p:cNvSpPr>
+            <a:spLocks noGrp="1" noRot="1" noChangeAspect="1"/>
+          </p:cNvSpPr>
+          <p:nvPr>
+            <p:ph type="sldImg"/>
+          </p:nvPr>
+        </p:nvSpPr>
+        <p:spPr/>
+      </p:sp>
+      <p:sp>
+        <p:nvSpPr>
+          <p:cNvPr id="3" name="Notes Placeholder 2"/>
+          <p:cNvSpPr>
+            <a:spLocks noGrp="1"/>
+          </p:cNvSpPr>
+          <p:nvPr>
+            <p:ph type="body" idx="1"/>
+          </p:nvPr>
+        </p:nvSpPr>
+        <p:spPr/>
+        <p:txBody>
+          <a:bodyPr/>
+          <a:lstStyle/>
+          <a:p>
+            <a:r>
+              <a:rPr lang="en-US" b="0" baseline="0" dirty="0" smtClean="0"/>
+              <a:t>In our adapter, this is where </a:t>
+            </a:r>
+            <a:r>
+              <a:rPr lang="en-US" b="0" baseline="0" dirty="0" err="1" smtClean="0"/>
+              <a:t>convertView</a:t>
+            </a:r>
+            <a:r>
+              <a:rPr lang="en-US" b="0" baseline="0" dirty="0" smtClean="0"/>
+              <a:t> comes in handy.</a:t>
+            </a:r>
+          </a:p>
+          <a:p>
+            <a:endParaRPr lang="en-US" b="0" baseline="0" dirty="0" smtClean="0"/>
+          </a:p>
+          <a:p>
+            <a:r>
+              <a:rPr lang="en-US" b="0" baseline="0" dirty="0" smtClean="0"/>
+              <a:t>When a new view is being created, </a:t>
+            </a:r>
+            <a:r>
+              <a:rPr lang="en-US" b="0" baseline="0" dirty="0" err="1" smtClean="0"/>
+              <a:t>convertView</a:t>
+            </a:r>
+            <a:r>
+              <a:rPr lang="en-US" b="0" baseline="0" dirty="0" smtClean="0"/>
+              <a:t> will be null. Here it will be safe to create our view and return it. But when </a:t>
+            </a:r>
+            <a:r>
+              <a:rPr lang="en-US" b="0" baseline="0" dirty="0" err="1" smtClean="0"/>
+              <a:t>convertView</a:t>
+            </a:r>
+            <a:r>
+              <a:rPr lang="en-US" b="0" baseline="0" dirty="0" smtClean="0"/>
+              <a:t> is </a:t>
+            </a:r>
+            <a:r>
+              <a:rPr lang="en-US" b="1" baseline="0" dirty="0" smtClean="0"/>
+              <a:t>not</a:t>
+            </a:r>
+            <a:r>
+              <a:rPr lang="en-US" b="0" baseline="0" dirty="0" smtClean="0"/>
+              <a:t> null, that is the view being recycled, so we don’t have to create another view, we can just reuse the same view but change the contents to reflect the data.</a:t>
+            </a:r>
+          </a:p>
+        </p:txBody>
+      </p:sp>
+      <p:sp>
+        <p:nvSpPr>
+          <p:cNvPr id="4" name="Slide Number Placeholder 3"/>
+          <p:cNvSpPr>
+            <a:spLocks noGrp="1"/>
+          </p:cNvSpPr>
+          <p:nvPr>
+            <p:ph type="sldNum" sz="quarter" idx="10"/>
+          </p:nvPr>
+        </p:nvSpPr>
+        <p:spPr/>
+        <p:txBody>
+          <a:bodyPr/>
+          <a:lstStyle/>
+          <a:p>
+            <a:fld id="{163AD53F-C4C6-B540-BE5D-2EDF9F602047}" type="slidenum">
+              <a:rPr lang="en-US" smtClean="0"/>
+              <a:t>18</a:t>
+            </a:fld>
+            <a:endParaRPr lang="en-US"/>
+          </a:p>
+        </p:txBody>
+      </p:sp>
+    </p:spTree>
+    <p:extLst>
+      <p:ext uri="{BB962C8B-B14F-4D97-AF65-F5344CB8AC3E}">
+        <p14:creationId xmlns:p14="http://schemas.microsoft.com/office/powerpoint/2010/main" val="1999398532"/>
+      </p:ext>
+    </p:extLst>
+  </p:cSld>
+  <p:clrMapOvr>
+    <a:masterClrMapping/>
+  </p:clrMapOvr>
+</p:notes>
+</file>
+
 <file path=ppt/notesSlides/notesSlide2.xml><?xml version="1.0" encoding="utf-8"?>
 <p:notes xmlns:a="http://schemas.openxmlformats.org/drawingml/2006/main" xmlns:r="http://schemas.openxmlformats.org/officeDocument/2006/relationships" xmlns:p="http://schemas.openxmlformats.org/presentationml/2006/main">
   <p:cSld>
@@ -851,15 +1785,7 @@
           <a:bodyPr/>
           <a:lstStyle/>
           <a:p>
-            <a:r>
-              <a:rPr lang="en-US" dirty="0" smtClean="0"/>
-              <a:t>This is what we’re going</a:t>
-            </a:r>
-            <a:r>
-              <a:rPr lang="en-US" baseline="0" dirty="0" smtClean="0"/>
-              <a:t> to make today</a:t>
-            </a:r>
-            <a:endParaRPr lang="en-US" dirty="0"/>
+            <a:endParaRPr lang="en-US"/>
           </a:p>
         </p:txBody>
       </p:sp>
@@ -880,7 +1806,7 @@
           <a:p>
             <a:fld id="{163AD53F-C4C6-B540-BE5D-2EDF9F602047}" type="slidenum">
               <a:rPr lang="en-US" smtClean="0"/>
-              <a:t>4</a:t>
+              <a:t>3</a:t>
             </a:fld>
             <a:endParaRPr lang="en-US"/>
           </a:p>
@@ -889,7 +1815,7 @@
     </p:spTree>
     <p:extLst>
       <p:ext uri="{BB962C8B-B14F-4D97-AF65-F5344CB8AC3E}">
-        <p14:creationId xmlns:p14="http://schemas.microsoft.com/office/powerpoint/2010/main" val="2445511739"/>
+        <p14:creationId xmlns:p14="http://schemas.microsoft.com/office/powerpoint/2010/main" val="457442959"/>
       </p:ext>
     </p:extLst>
   </p:cSld>
@@ -949,13 +1875,9 @@
             </a:r>
             <a:r>
               <a:rPr lang="en-US" baseline="0" dirty="0" smtClean="0"/>
-              <a:t> to </a:t>
-            </a:r>
-            <a:r>
-              <a:rPr lang="en-US" baseline="0" smtClean="0"/>
-              <a:t>make today</a:t>
-            </a:r>
-            <a:endParaRPr lang="en-US"/>
+              <a:t> to make today</a:t>
+            </a:r>
+            <a:endParaRPr lang="en-US" dirty="0"/>
           </a:p>
         </p:txBody>
       </p:sp>
@@ -976,7 +1898,7 @@
           <a:p>
             <a:fld id="{163AD53F-C4C6-B540-BE5D-2EDF9F602047}" type="slidenum">
               <a:rPr lang="en-US" smtClean="0"/>
-              <a:t>5</a:t>
+              <a:t>4</a:t>
             </a:fld>
             <a:endParaRPr lang="en-US"/>
           </a:p>
@@ -1041,21 +1963,17 @@
           <a:p>
             <a:r>
               <a:rPr lang="en-US" dirty="0" smtClean="0"/>
-              <a:t>Control + space</a:t>
+              <a:t>This is what we’re going</a:t>
             </a:r>
             <a:r>
               <a:rPr lang="en-US" baseline="0" dirty="0" smtClean="0"/>
-              <a:t> will be the most popular shortcut you use, pressing it will bring up the </a:t>
-            </a:r>
-            <a:r>
-              <a:rPr lang="en-US" baseline="0" dirty="0" err="1" smtClean="0"/>
-              <a:t>codesense</a:t>
-            </a:r>
-            <a:r>
-              <a:rPr lang="en-US" baseline="0" dirty="0" smtClean="0"/>
-              <a:t> suggestion dialog when you type to allow you to find the method/variable you’re looking for. It will also bring up the documentation for the highlighted method. Press enter to auto complete</a:t>
-            </a:r>
-            <a:endParaRPr lang="en-US" dirty="0"/>
+              <a:t> to </a:t>
+            </a:r>
+            <a:r>
+              <a:rPr lang="en-US" baseline="0" smtClean="0"/>
+              <a:t>make today</a:t>
+            </a:r>
+            <a:endParaRPr lang="en-US"/>
           </a:p>
         </p:txBody>
       </p:sp>
@@ -1076,7 +1994,7 @@
           <a:p>
             <a:fld id="{163AD53F-C4C6-B540-BE5D-2EDF9F602047}" type="slidenum">
               <a:rPr lang="en-US" smtClean="0"/>
-              <a:t>6</a:t>
+              <a:t>5</a:t>
             </a:fld>
             <a:endParaRPr lang="en-US"/>
           </a:p>
@@ -1085,7 +2003,7 @@
     </p:spTree>
     <p:extLst>
       <p:ext uri="{BB962C8B-B14F-4D97-AF65-F5344CB8AC3E}">
-        <p14:creationId xmlns:p14="http://schemas.microsoft.com/office/powerpoint/2010/main" val="2790320892"/>
+        <p14:creationId xmlns:p14="http://schemas.microsoft.com/office/powerpoint/2010/main" val="2445511739"/>
       </p:ext>
     </p:extLst>
   </p:cSld>
@@ -1141,11 +2059,19 @@
           <a:p>
             <a:r>
               <a:rPr lang="en-US" dirty="0" smtClean="0"/>
-              <a:t>Pressing alt and enter will open up the quick fix menu which will give  you some useful</a:t>
+              <a:t>Control + space</a:t>
             </a:r>
             <a:r>
               <a:rPr lang="en-US" baseline="0" dirty="0" smtClean="0"/>
-              <a:t> functions such as refracting a string or reversing an if statement</a:t>
+              <a:t> will be the most popular shortcut you use, pressing it will bring up the </a:t>
+            </a:r>
+            <a:r>
+              <a:rPr lang="en-US" baseline="0" dirty="0" err="1" smtClean="0"/>
+              <a:t>codesense</a:t>
+            </a:r>
+            <a:r>
+              <a:rPr lang="en-US" baseline="0" dirty="0" smtClean="0"/>
+              <a:t> suggestion dialog when you type to allow you to find the method/variable you’re looking for. It will also bring up the documentation for the highlighted method. Press enter to auto complete</a:t>
             </a:r>
             <a:endParaRPr lang="en-US" dirty="0"/>
           </a:p>
@@ -1168,7 +2094,7 @@
           <a:p>
             <a:fld id="{163AD53F-C4C6-B540-BE5D-2EDF9F602047}" type="slidenum">
               <a:rPr lang="en-US" smtClean="0"/>
-              <a:t>7</a:t>
+              <a:t>6</a:t>
             </a:fld>
             <a:endParaRPr lang="en-US"/>
           </a:p>
@@ -1177,7 +2103,7 @@
     </p:spTree>
     <p:extLst>
       <p:ext uri="{BB962C8B-B14F-4D97-AF65-F5344CB8AC3E}">
-        <p14:creationId xmlns:p14="http://schemas.microsoft.com/office/powerpoint/2010/main" val="2696735201"/>
+        <p14:creationId xmlns:p14="http://schemas.microsoft.com/office/powerpoint/2010/main" val="2790320892"/>
       </p:ext>
     </p:extLst>
   </p:cSld>
@@ -1233,11 +2159,11 @@
           <a:p>
             <a:r>
               <a:rPr lang="en-US" dirty="0" smtClean="0"/>
-              <a:t>Pressing control and enter will bring up the generate menu which</a:t>
+              <a:t>Pressing alt and enter will open up the quick fix menu which will give  you some useful</a:t>
             </a:r>
             <a:r>
               <a:rPr lang="en-US" baseline="0" dirty="0" smtClean="0"/>
-              <a:t> is useful when overriding methods from the super class you don’t know the name of</a:t>
+              <a:t> functions such as refracting a string or reversing an if statement</a:t>
             </a:r>
             <a:endParaRPr lang="en-US" dirty="0"/>
           </a:p>
@@ -1260,7 +2186,7 @@
           <a:p>
             <a:fld id="{163AD53F-C4C6-B540-BE5D-2EDF9F602047}" type="slidenum">
               <a:rPr lang="en-US" smtClean="0"/>
-              <a:t>8</a:t>
+              <a:t>7</a:t>
             </a:fld>
             <a:endParaRPr lang="en-US"/>
           </a:p>
@@ -1269,7 +2195,7 @@
     </p:spTree>
     <p:extLst>
       <p:ext uri="{BB962C8B-B14F-4D97-AF65-F5344CB8AC3E}">
-        <p14:creationId xmlns:p14="http://schemas.microsoft.com/office/powerpoint/2010/main" val="828620817"/>
+        <p14:creationId xmlns:p14="http://schemas.microsoft.com/office/powerpoint/2010/main" val="2696735201"/>
       </p:ext>
     </p:extLst>
   </p:cSld>
@@ -1325,17 +2251,105 @@
           <a:p>
             <a:r>
               <a:rPr lang="en-US" dirty="0" smtClean="0"/>
+              <a:t>Pressing control and enter will bring up the generate menu which</a:t>
+            </a:r>
+            <a:r>
+              <a:rPr lang="en-US" baseline="0" dirty="0" smtClean="0"/>
+              <a:t> is useful when overriding methods from the super class you don’t know the name of</a:t>
+            </a:r>
+            <a:endParaRPr lang="en-US" dirty="0"/>
+          </a:p>
+        </p:txBody>
+      </p:sp>
+      <p:sp>
+        <p:nvSpPr>
+          <p:cNvPr id="4" name="Slide Number Placeholder 3"/>
+          <p:cNvSpPr>
+            <a:spLocks noGrp="1"/>
+          </p:cNvSpPr>
+          <p:nvPr>
+            <p:ph type="sldNum" sz="quarter" idx="10"/>
+          </p:nvPr>
+        </p:nvSpPr>
+        <p:spPr/>
+        <p:txBody>
+          <a:bodyPr/>
+          <a:lstStyle/>
+          <a:p>
+            <a:fld id="{163AD53F-C4C6-B540-BE5D-2EDF9F602047}" type="slidenum">
+              <a:rPr lang="en-US" smtClean="0"/>
+              <a:t>8</a:t>
+            </a:fld>
+            <a:endParaRPr lang="en-US"/>
+          </a:p>
+        </p:txBody>
+      </p:sp>
+    </p:spTree>
+    <p:extLst>
+      <p:ext uri="{BB962C8B-B14F-4D97-AF65-F5344CB8AC3E}">
+        <p14:creationId xmlns:p14="http://schemas.microsoft.com/office/powerpoint/2010/main" val="828620817"/>
+      </p:ext>
+    </p:extLst>
+  </p:cSld>
+  <p:clrMapOvr>
+    <a:masterClrMapping/>
+  </p:clrMapOvr>
+</p:notes>
+</file>
+
+<file path=ppt/notesSlides/notesSlide9.xml><?xml version="1.0" encoding="utf-8"?>
+<p:notes xmlns:a="http://schemas.openxmlformats.org/drawingml/2006/main" xmlns:r="http://schemas.openxmlformats.org/officeDocument/2006/relationships" xmlns:p="http://schemas.openxmlformats.org/presentationml/2006/main">
+  <p:cSld>
+    <p:spTree>
+      <p:nvGrpSpPr>
+        <p:cNvPr id="1" name=""/>
+        <p:cNvGrpSpPr/>
+        <p:nvPr/>
+      </p:nvGrpSpPr>
+      <p:grpSpPr>
+        <a:xfrm>
+          <a:off x="0" y="0"/>
+          <a:ext cx="0" cy="0"/>
+          <a:chOff x="0" y="0"/>
+          <a:chExt cx="0" cy="0"/>
+        </a:xfrm>
+      </p:grpSpPr>
+      <p:sp>
+        <p:nvSpPr>
+          <p:cNvPr id="2" name="Slide Image Placeholder 1"/>
+          <p:cNvSpPr>
+            <a:spLocks noGrp="1" noRot="1" noChangeAspect="1"/>
+          </p:cNvSpPr>
+          <p:nvPr>
+            <p:ph type="sldImg"/>
+          </p:nvPr>
+        </p:nvSpPr>
+        <p:spPr/>
+      </p:sp>
+      <p:sp>
+        <p:nvSpPr>
+          <p:cNvPr id="3" name="Notes Placeholder 2"/>
+          <p:cNvSpPr>
+            <a:spLocks noGrp="1"/>
+          </p:cNvSpPr>
+          <p:nvPr>
+            <p:ph type="body" idx="1"/>
+          </p:nvPr>
+        </p:nvSpPr>
+        <p:spPr/>
+        <p:txBody>
+          <a:bodyPr/>
+          <a:lstStyle/>
+          <a:p>
+            <a:r>
+              <a:rPr lang="en-US" dirty="0" smtClean="0"/>
               <a:t>Pressing control and p will bring up the parameters for a method</a:t>
             </a:r>
             <a:r>
               <a:rPr lang="en-US" baseline="0" dirty="0" smtClean="0"/>
-              <a:t> as </a:t>
-            </a:r>
-            <a:r>
-              <a:rPr lang="en-US" baseline="0" smtClean="0"/>
-              <a:t>you’re typing.</a:t>
-            </a:r>
-            <a:endParaRPr lang="en-US"/>
+              <a:t> as you’re typing.</a:t>
+            </a:r>
+            <a:endParaRPr lang="en-US" dirty="0"/>
           </a:p>
         </p:txBody>
       </p:sp>
@@ -5120,35 +6134,1898 @@
           <a:p>
             <a:r>
               <a:rPr lang="en-US" dirty="0" smtClean="0"/>
-              <a:t>IDE Demo</a:t>
+              <a:t>How </a:t>
+            </a:r>
+            <a:r>
+              <a:rPr lang="en-US" dirty="0" err="1" smtClean="0"/>
+              <a:t>R.java</a:t>
+            </a:r>
+            <a:r>
+              <a:rPr lang="en-US" dirty="0" smtClean="0"/>
+              <a:t> works</a:t>
             </a:r>
             <a:endParaRPr lang="en-US" dirty="0"/>
           </a:p>
         </p:txBody>
       </p:sp>
-      <p:sp>
-        <p:nvSpPr>
-          <p:cNvPr id="3" name="Content Placeholder 2"/>
-          <p:cNvSpPr>
-            <a:spLocks noGrp="1"/>
-          </p:cNvSpPr>
+      <p:pic>
+        <p:nvPicPr>
+          <p:cNvPr id="4" name="Content Placeholder 3" descr="Screen Shot 2014-02-12 at 15.26.18.png"/>
+          <p:cNvPicPr>
+            <a:picLocks noGrp="1" noChangeAspect="1"/>
+          </p:cNvPicPr>
           <p:nvPr>
             <p:ph idx="1"/>
           </p:nvPr>
-        </p:nvSpPr>
-        <p:spPr/>
-        <p:txBody>
-          <a:bodyPr/>
-          <a:lstStyle/>
-          <a:p>
-            <a:endParaRPr lang="en-US"/>
+        </p:nvPicPr>
+        <p:blipFill rotWithShape="1">
+          <a:blip r:embed="rId3">
+            <a:extLst>
+              <a:ext uri="{28A0092B-C50C-407E-A947-70E740481C1C}">
+                <a14:useLocalDpi xmlns:a14="http://schemas.microsoft.com/office/drawing/2010/main" val="0"/>
+              </a:ext>
+            </a:extLst>
+          </a:blip>
+          <a:srcRect l="59" r="-84"/>
+          <a:stretch/>
+        </p:blipFill>
+        <p:spPr>
+          <a:xfrm>
+            <a:off x="2896974" y="1716904"/>
+            <a:ext cx="3097073" cy="2896286"/>
+          </a:xfrm>
+        </p:spPr>
+      </p:pic>
+      <p:sp>
+        <p:nvSpPr>
+          <p:cNvPr id="5" name="TextBox 4"/>
+          <p:cNvSpPr txBox="1"/>
+          <p:nvPr/>
+        </p:nvSpPr>
+        <p:spPr>
+          <a:xfrm>
+            <a:off x="3326258" y="4874055"/>
+            <a:ext cx="2424261" cy="923330"/>
+          </a:xfrm>
+          <a:prstGeom prst="rect">
+            <a:avLst/>
+          </a:prstGeom>
+          <a:noFill/>
+        </p:spPr>
+        <p:txBody>
+          <a:bodyPr wrap="none" rtlCol="0">
+            <a:spAutoFit/>
+          </a:bodyPr>
+          <a:lstStyle/>
+          <a:p>
+            <a:pPr algn="ctr"/>
+            <a:r>
+              <a:rPr lang="en-US" dirty="0" err="1" smtClean="0"/>
+              <a:t>R.layout.</a:t>
+            </a:r>
+            <a:r>
+              <a:rPr lang="en-US" i="1" dirty="0" err="1" smtClean="0">
+                <a:solidFill>
+                  <a:schemeClr val="accent4">
+                    <a:lumMod val="75000"/>
+                  </a:schemeClr>
+                </a:solidFill>
+              </a:rPr>
+              <a:t>list_item</a:t>
+            </a:r>
+            <a:endParaRPr lang="en-US" i="1" dirty="0" smtClean="0">
+              <a:solidFill>
+                <a:schemeClr val="accent4">
+                  <a:lumMod val="75000"/>
+                </a:schemeClr>
+              </a:solidFill>
+            </a:endParaRPr>
+          </a:p>
+          <a:p>
+            <a:pPr algn="ctr"/>
+            <a:r>
+              <a:rPr lang="en-US" dirty="0" err="1" smtClean="0"/>
+              <a:t>R.id.</a:t>
+            </a:r>
+            <a:r>
+              <a:rPr lang="en-US" i="1" dirty="0" err="1" smtClean="0">
+                <a:solidFill>
+                  <a:srgbClr val="604A7B"/>
+                </a:solidFill>
+              </a:rPr>
+              <a:t>name</a:t>
+            </a:r>
+            <a:endParaRPr lang="en-US" i="1" dirty="0" smtClean="0">
+              <a:solidFill>
+                <a:srgbClr val="604A7B"/>
+              </a:solidFill>
+            </a:endParaRPr>
+          </a:p>
+          <a:p>
+            <a:pPr algn="ctr"/>
+            <a:r>
+              <a:rPr lang="en-US" dirty="0" err="1" smtClean="0"/>
+              <a:t>R.drawable.</a:t>
+            </a:r>
+            <a:r>
+              <a:rPr lang="en-US" i="1" dirty="0" err="1" smtClean="0">
+                <a:solidFill>
+                  <a:srgbClr val="604A7B"/>
+                </a:solidFill>
+              </a:rPr>
+              <a:t>ic_launcher</a:t>
+            </a:r>
+            <a:endParaRPr lang="en-US" i="1" dirty="0">
+              <a:solidFill>
+                <a:srgbClr val="604A7B"/>
+              </a:solidFill>
+            </a:endParaRPr>
           </a:p>
         </p:txBody>
       </p:sp>
     </p:spTree>
     <p:extLst>
       <p:ext uri="{BB962C8B-B14F-4D97-AF65-F5344CB8AC3E}">
-        <p14:creationId xmlns:p14="http://schemas.microsoft.com/office/powerpoint/2010/main" val="2745253486"/>
+        <p14:creationId xmlns:p14="http://schemas.microsoft.com/office/powerpoint/2010/main" val="3502874651"/>
+      </p:ext>
+    </p:extLst>
+  </p:cSld>
+  <p:clrMapOvr>
+    <a:masterClrMapping/>
+  </p:clrMapOvr>
+</p:sld>
+</file>
+
+<file path=ppt/slides/slide11.xml><?xml version="1.0" encoding="utf-8"?>
+<p:sld xmlns:a="http://schemas.openxmlformats.org/drawingml/2006/main" xmlns:r="http://schemas.openxmlformats.org/officeDocument/2006/relationships" xmlns:p="http://schemas.openxmlformats.org/presentationml/2006/main">
+  <p:cSld>
+    <p:spTree>
+      <p:nvGrpSpPr>
+        <p:cNvPr id="1" name=""/>
+        <p:cNvGrpSpPr/>
+        <p:nvPr/>
+      </p:nvGrpSpPr>
+      <p:grpSpPr>
+        <a:xfrm>
+          <a:off x="0" y="0"/>
+          <a:ext cx="0" cy="0"/>
+          <a:chOff x="0" y="0"/>
+          <a:chExt cx="0" cy="0"/>
+        </a:xfrm>
+      </p:grpSpPr>
+      <p:sp>
+        <p:nvSpPr>
+          <p:cNvPr id="2" name="Title 1"/>
+          <p:cNvSpPr>
+            <a:spLocks noGrp="1"/>
+          </p:cNvSpPr>
+          <p:nvPr>
+            <p:ph type="title"/>
+          </p:nvPr>
+        </p:nvSpPr>
+        <p:spPr/>
+        <p:txBody>
+          <a:bodyPr/>
+          <a:lstStyle/>
+          <a:p>
+            <a:r>
+              <a:rPr lang="en-US" dirty="0" smtClean="0"/>
+              <a:t>How </a:t>
+            </a:r>
+            <a:r>
+              <a:rPr lang="en-US" dirty="0" err="1" smtClean="0"/>
+              <a:t>R.java</a:t>
+            </a:r>
+            <a:r>
+              <a:rPr lang="en-US" dirty="0" smtClean="0"/>
+              <a:t> works</a:t>
+            </a:r>
+            <a:endParaRPr lang="en-US" dirty="0"/>
+          </a:p>
+        </p:txBody>
+      </p:sp>
+      <p:pic>
+        <p:nvPicPr>
+          <p:cNvPr id="4" name="Content Placeholder 3" descr="Screen Shot 2014-02-12 at 15.29.27.png"/>
+          <p:cNvPicPr>
+            <a:picLocks noGrp="1" noChangeAspect="1"/>
+          </p:cNvPicPr>
+          <p:nvPr>
+            <p:ph idx="1"/>
+          </p:nvPr>
+        </p:nvPicPr>
+        <p:blipFill>
+          <a:blip r:embed="rId3">
+            <a:extLst>
+              <a:ext uri="{28A0092B-C50C-407E-A947-70E740481C1C}">
+                <a14:useLocalDpi xmlns:a14="http://schemas.microsoft.com/office/drawing/2010/main" val="0"/>
+              </a:ext>
+            </a:extLst>
+          </a:blip>
+          <a:srcRect t="-131339" b="-131339"/>
+          <a:stretch>
+            <a:fillRect/>
+          </a:stretch>
+        </p:blipFill>
+        <p:spPr>
+          <a:xfrm>
+            <a:off x="457200" y="274638"/>
+            <a:ext cx="8229600" cy="4525963"/>
+          </a:xfrm>
+        </p:spPr>
+      </p:pic>
+      <p:sp>
+        <p:nvSpPr>
+          <p:cNvPr id="5" name="Rectangle 4"/>
+          <p:cNvSpPr/>
+          <p:nvPr/>
+        </p:nvSpPr>
+        <p:spPr>
+          <a:xfrm>
+            <a:off x="2951892" y="2340276"/>
+            <a:ext cx="2519405" cy="281459"/>
+          </a:xfrm>
+          <a:prstGeom prst="rect">
+            <a:avLst/>
+          </a:prstGeom>
+          <a:noFill/>
+          <a:ln w="57150" cmpd="sng">
+            <a:solidFill>
+              <a:schemeClr val="accent6">
+                <a:lumMod val="40000"/>
+                <a:lumOff val="60000"/>
+              </a:schemeClr>
+            </a:solidFill>
+          </a:ln>
+        </p:spPr>
+        <p:style>
+          <a:lnRef idx="1">
+            <a:schemeClr val="accent1"/>
+          </a:lnRef>
+          <a:fillRef idx="3">
+            <a:schemeClr val="accent1"/>
+          </a:fillRef>
+          <a:effectRef idx="2">
+            <a:schemeClr val="accent1"/>
+          </a:effectRef>
+          <a:fontRef idx="minor">
+            <a:schemeClr val="lt1"/>
+          </a:fontRef>
+        </p:style>
+        <p:txBody>
+          <a:bodyPr rtlCol="0" anchor="ctr"/>
+          <a:lstStyle/>
+          <a:p>
+            <a:pPr algn="ctr"/>
+            <a:endParaRPr lang="en-US"/>
+          </a:p>
+        </p:txBody>
+      </p:sp>
+      <p:sp>
+        <p:nvSpPr>
+          <p:cNvPr id="6" name="Rectangle 5"/>
+          <p:cNvSpPr/>
+          <p:nvPr/>
+        </p:nvSpPr>
+        <p:spPr>
+          <a:xfrm>
+            <a:off x="2951892" y="2712352"/>
+            <a:ext cx="2519405" cy="281459"/>
+          </a:xfrm>
+          <a:prstGeom prst="rect">
+            <a:avLst/>
+          </a:prstGeom>
+          <a:noFill/>
+          <a:ln w="57150" cmpd="sng">
+            <a:solidFill>
+              <a:schemeClr val="accent6">
+                <a:lumMod val="40000"/>
+                <a:lumOff val="60000"/>
+              </a:schemeClr>
+            </a:solidFill>
+          </a:ln>
+        </p:spPr>
+        <p:style>
+          <a:lnRef idx="1">
+            <a:schemeClr val="accent1"/>
+          </a:lnRef>
+          <a:fillRef idx="3">
+            <a:schemeClr val="accent1"/>
+          </a:fillRef>
+          <a:effectRef idx="2">
+            <a:schemeClr val="accent1"/>
+          </a:effectRef>
+          <a:fontRef idx="minor">
+            <a:schemeClr val="lt1"/>
+          </a:fontRef>
+        </p:style>
+        <p:txBody>
+          <a:bodyPr rtlCol="0" anchor="ctr"/>
+          <a:lstStyle/>
+          <a:p>
+            <a:pPr algn="ctr"/>
+            <a:endParaRPr lang="en-US"/>
+          </a:p>
+        </p:txBody>
+      </p:sp>
+      <p:pic>
+        <p:nvPicPr>
+          <p:cNvPr id="7" name="Picture 6" descr="Screen Shot 2014-02-12 at 15.32.18.png"/>
+          <p:cNvPicPr>
+            <a:picLocks noChangeAspect="1"/>
+          </p:cNvPicPr>
+          <p:nvPr/>
+        </p:nvPicPr>
+        <p:blipFill>
+          <a:blip r:embed="rId4">
+            <a:extLst>
+              <a:ext uri="{28A0092B-C50C-407E-A947-70E740481C1C}">
+                <a14:useLocalDpi xmlns:a14="http://schemas.microsoft.com/office/drawing/2010/main" val="0"/>
+              </a:ext>
+            </a:extLst>
+          </a:blip>
+          <a:stretch>
+            <a:fillRect/>
+          </a:stretch>
+        </p:blipFill>
+        <p:spPr>
+          <a:xfrm>
+            <a:off x="1146432" y="3416301"/>
+            <a:ext cx="6299200" cy="1384300"/>
+          </a:xfrm>
+          <a:prstGeom prst="rect">
+            <a:avLst/>
+          </a:prstGeom>
+        </p:spPr>
+      </p:pic>
+      <p:sp>
+        <p:nvSpPr>
+          <p:cNvPr id="8" name="Rectangle 7"/>
+          <p:cNvSpPr/>
+          <p:nvPr/>
+        </p:nvSpPr>
+        <p:spPr>
+          <a:xfrm>
+            <a:off x="2053968" y="4186711"/>
+            <a:ext cx="4440194" cy="281459"/>
+          </a:xfrm>
+          <a:prstGeom prst="rect">
+            <a:avLst/>
+          </a:prstGeom>
+          <a:noFill/>
+          <a:ln w="57150" cmpd="sng">
+            <a:solidFill>
+              <a:schemeClr val="accent6">
+                <a:lumMod val="40000"/>
+                <a:lumOff val="60000"/>
+              </a:schemeClr>
+            </a:solidFill>
+          </a:ln>
+        </p:spPr>
+        <p:style>
+          <a:lnRef idx="1">
+            <a:schemeClr val="accent1"/>
+          </a:lnRef>
+          <a:fillRef idx="3">
+            <a:schemeClr val="accent1"/>
+          </a:fillRef>
+          <a:effectRef idx="2">
+            <a:schemeClr val="accent1"/>
+          </a:effectRef>
+          <a:fontRef idx="minor">
+            <a:schemeClr val="lt1"/>
+          </a:fontRef>
+        </p:style>
+        <p:txBody>
+          <a:bodyPr rtlCol="0" anchor="ctr"/>
+          <a:lstStyle/>
+          <a:p>
+            <a:pPr algn="ctr"/>
+            <a:endParaRPr lang="en-US"/>
+          </a:p>
+        </p:txBody>
+      </p:sp>
+      <p:sp>
+        <p:nvSpPr>
+          <p:cNvPr id="9" name="TextBox 8"/>
+          <p:cNvSpPr txBox="1"/>
+          <p:nvPr/>
+        </p:nvSpPr>
+        <p:spPr>
+          <a:xfrm>
+            <a:off x="3477688" y="5148650"/>
+            <a:ext cx="2121407" cy="369332"/>
+          </a:xfrm>
+          <a:prstGeom prst="rect">
+            <a:avLst/>
+          </a:prstGeom>
+          <a:noFill/>
+        </p:spPr>
+        <p:txBody>
+          <a:bodyPr wrap="none" rtlCol="0">
+            <a:spAutoFit/>
+          </a:bodyPr>
+          <a:lstStyle/>
+          <a:p>
+            <a:pPr algn="ctr"/>
+            <a:r>
+              <a:rPr lang="en-US" dirty="0" err="1" smtClean="0"/>
+              <a:t>R.string.</a:t>
+            </a:r>
+            <a:r>
+              <a:rPr lang="en-US" i="1" dirty="0" err="1" smtClean="0">
+                <a:solidFill>
+                  <a:srgbClr val="604A7B"/>
+                </a:solidFill>
+              </a:rPr>
+              <a:t>hello_world</a:t>
+            </a:r>
+            <a:endParaRPr lang="en-US" i="1" dirty="0">
+              <a:solidFill>
+                <a:srgbClr val="604A7B"/>
+              </a:solidFill>
+            </a:endParaRPr>
+          </a:p>
+        </p:txBody>
+      </p:sp>
+    </p:spTree>
+    <p:extLst>
+      <p:ext uri="{BB962C8B-B14F-4D97-AF65-F5344CB8AC3E}">
+        <p14:creationId xmlns:p14="http://schemas.microsoft.com/office/powerpoint/2010/main" val="1403424000"/>
+      </p:ext>
+    </p:extLst>
+  </p:cSld>
+  <p:clrMapOvr>
+    <a:masterClrMapping/>
+  </p:clrMapOvr>
+</p:sld>
+</file>
+
+<file path=ppt/slides/slide12.xml><?xml version="1.0" encoding="utf-8"?>
+<p:sld xmlns:a="http://schemas.openxmlformats.org/drawingml/2006/main" xmlns:r="http://schemas.openxmlformats.org/officeDocument/2006/relationships" xmlns:p="http://schemas.openxmlformats.org/presentationml/2006/main">
+  <p:cSld>
+    <p:spTree>
+      <p:nvGrpSpPr>
+        <p:cNvPr id="1" name=""/>
+        <p:cNvGrpSpPr/>
+        <p:nvPr/>
+      </p:nvGrpSpPr>
+      <p:grpSpPr>
+        <a:xfrm>
+          <a:off x="0" y="0"/>
+          <a:ext cx="0" cy="0"/>
+          <a:chOff x="0" y="0"/>
+          <a:chExt cx="0" cy="0"/>
+        </a:xfrm>
+      </p:grpSpPr>
+      <p:sp>
+        <p:nvSpPr>
+          <p:cNvPr id="2" name="Title 1"/>
+          <p:cNvSpPr>
+            <a:spLocks noGrp="1"/>
+          </p:cNvSpPr>
+          <p:nvPr>
+            <p:ph type="title"/>
+          </p:nvPr>
+        </p:nvSpPr>
+        <p:spPr/>
+        <p:txBody>
+          <a:bodyPr/>
+          <a:lstStyle/>
+          <a:p>
+            <a:r>
+              <a:rPr lang="en-US" dirty="0" smtClean="0"/>
+              <a:t>How Adapters work</a:t>
+            </a:r>
+            <a:endParaRPr lang="en-US" dirty="0"/>
+          </a:p>
+        </p:txBody>
+      </p:sp>
+      <p:sp>
+        <p:nvSpPr>
+          <p:cNvPr id="8" name="Content Placeholder 2"/>
+          <p:cNvSpPr>
+            <a:spLocks noGrp="1"/>
+          </p:cNvSpPr>
+          <p:nvPr>
+            <p:ph idx="1"/>
+          </p:nvPr>
+        </p:nvSpPr>
+        <p:spPr>
+          <a:xfrm>
+            <a:off x="457200" y="1600200"/>
+            <a:ext cx="8229600" cy="4525963"/>
+          </a:xfrm>
+        </p:spPr>
+        <p:txBody>
+          <a:bodyPr/>
+          <a:lstStyle/>
+          <a:p>
+            <a:r>
+              <a:rPr lang="en-US" dirty="0" err="1" smtClean="0">
+                <a:solidFill>
+                  <a:schemeClr val="tx1">
+                    <a:lumMod val="65000"/>
+                    <a:lumOff val="35000"/>
+                  </a:schemeClr>
+                </a:solidFill>
+              </a:rPr>
+              <a:t>getCount</a:t>
+            </a:r>
+            <a:r>
+              <a:rPr lang="en-US" dirty="0" smtClean="0">
+                <a:solidFill>
+                  <a:schemeClr val="tx1">
+                    <a:lumMod val="65000"/>
+                    <a:lumOff val="35000"/>
+                  </a:schemeClr>
+                </a:solidFill>
+              </a:rPr>
+              <a:t>()</a:t>
+            </a:r>
+          </a:p>
+          <a:p>
+            <a:r>
+              <a:rPr lang="en-US" dirty="0" err="1" smtClean="0">
+                <a:solidFill>
+                  <a:schemeClr val="tx1">
+                    <a:lumMod val="65000"/>
+                    <a:lumOff val="35000"/>
+                  </a:schemeClr>
+                </a:solidFill>
+              </a:rPr>
+              <a:t>getItem</a:t>
+            </a:r>
+            <a:r>
+              <a:rPr lang="en-US" dirty="0" smtClean="0">
+                <a:solidFill>
+                  <a:schemeClr val="tx1">
+                    <a:lumMod val="65000"/>
+                    <a:lumOff val="35000"/>
+                  </a:schemeClr>
+                </a:solidFill>
+              </a:rPr>
+              <a:t>(</a:t>
+            </a:r>
+            <a:r>
+              <a:rPr lang="en-US" dirty="0" err="1" smtClean="0">
+                <a:solidFill>
+                  <a:schemeClr val="tx1">
+                    <a:lumMod val="65000"/>
+                    <a:lumOff val="35000"/>
+                  </a:schemeClr>
+                </a:solidFill>
+              </a:rPr>
+              <a:t>int</a:t>
+            </a:r>
+            <a:r>
+              <a:rPr lang="en-US" dirty="0" smtClean="0">
+                <a:solidFill>
+                  <a:schemeClr val="tx1">
+                    <a:lumMod val="65000"/>
+                    <a:lumOff val="35000"/>
+                  </a:schemeClr>
+                </a:solidFill>
+              </a:rPr>
+              <a:t> position)</a:t>
+            </a:r>
+          </a:p>
+          <a:p>
+            <a:r>
+              <a:rPr lang="en-US" dirty="0" err="1">
+                <a:solidFill>
+                  <a:schemeClr val="tx1">
+                    <a:lumMod val="65000"/>
+                    <a:lumOff val="35000"/>
+                  </a:schemeClr>
+                </a:solidFill>
+              </a:rPr>
+              <a:t>getItemId</a:t>
+            </a:r>
+            <a:r>
+              <a:rPr lang="en-US" dirty="0">
+                <a:solidFill>
+                  <a:schemeClr val="tx1">
+                    <a:lumMod val="65000"/>
+                    <a:lumOff val="35000"/>
+                  </a:schemeClr>
+                </a:solidFill>
+              </a:rPr>
+              <a:t>(</a:t>
+            </a:r>
+            <a:r>
+              <a:rPr lang="en-US" dirty="0" err="1">
+                <a:solidFill>
+                  <a:schemeClr val="tx1">
+                    <a:lumMod val="65000"/>
+                    <a:lumOff val="35000"/>
+                  </a:schemeClr>
+                </a:solidFill>
+              </a:rPr>
+              <a:t>int</a:t>
+            </a:r>
+            <a:r>
+              <a:rPr lang="en-US" dirty="0">
+                <a:solidFill>
+                  <a:schemeClr val="tx1">
+                    <a:lumMod val="65000"/>
+                    <a:lumOff val="35000"/>
+                  </a:schemeClr>
+                </a:solidFill>
+              </a:rPr>
+              <a:t> position</a:t>
+            </a:r>
+            <a:r>
+              <a:rPr lang="en-US" dirty="0" smtClean="0">
+                <a:solidFill>
+                  <a:schemeClr val="tx1">
+                    <a:lumMod val="65000"/>
+                    <a:lumOff val="35000"/>
+                  </a:schemeClr>
+                </a:solidFill>
+              </a:rPr>
+              <a:t>)</a:t>
+            </a:r>
+          </a:p>
+          <a:p>
+            <a:r>
+              <a:rPr lang="en-US" dirty="0" err="1">
+                <a:solidFill>
+                  <a:schemeClr val="tx1">
+                    <a:lumMod val="65000"/>
+                    <a:lumOff val="35000"/>
+                  </a:schemeClr>
+                </a:solidFill>
+              </a:rPr>
+              <a:t>getView</a:t>
+            </a:r>
+            <a:r>
+              <a:rPr lang="en-US" dirty="0">
+                <a:solidFill>
+                  <a:schemeClr val="tx1">
+                    <a:lumMod val="65000"/>
+                    <a:lumOff val="35000"/>
+                  </a:schemeClr>
+                </a:solidFill>
+              </a:rPr>
+              <a:t>(</a:t>
+            </a:r>
+            <a:r>
+              <a:rPr lang="en-US" dirty="0" err="1">
+                <a:solidFill>
+                  <a:schemeClr val="tx1">
+                    <a:lumMod val="65000"/>
+                    <a:lumOff val="35000"/>
+                  </a:schemeClr>
+                </a:solidFill>
+              </a:rPr>
+              <a:t>int</a:t>
+            </a:r>
+            <a:r>
+              <a:rPr lang="en-US" dirty="0">
+                <a:solidFill>
+                  <a:schemeClr val="tx1">
+                    <a:lumMod val="65000"/>
+                    <a:lumOff val="35000"/>
+                  </a:schemeClr>
+                </a:solidFill>
+              </a:rPr>
+              <a:t> position, View </a:t>
+            </a:r>
+            <a:r>
+              <a:rPr lang="en-US" dirty="0" err="1">
+                <a:solidFill>
+                  <a:schemeClr val="tx1">
+                    <a:lumMod val="65000"/>
+                    <a:lumOff val="35000"/>
+                  </a:schemeClr>
+                </a:solidFill>
+              </a:rPr>
+              <a:t>convertView</a:t>
+            </a:r>
+            <a:r>
+              <a:rPr lang="en-US" dirty="0">
+                <a:solidFill>
+                  <a:schemeClr val="tx1">
+                    <a:lumMod val="65000"/>
+                    <a:lumOff val="35000"/>
+                  </a:schemeClr>
+                </a:solidFill>
+              </a:rPr>
+              <a:t>, </a:t>
+            </a:r>
+            <a:r>
+              <a:rPr lang="en-US" dirty="0" err="1">
+                <a:solidFill>
+                  <a:schemeClr val="tx1">
+                    <a:lumMod val="65000"/>
+                    <a:lumOff val="35000"/>
+                  </a:schemeClr>
+                </a:solidFill>
+              </a:rPr>
+              <a:t>ViewGroup</a:t>
+            </a:r>
+            <a:r>
+              <a:rPr lang="en-US" dirty="0">
+                <a:solidFill>
+                  <a:schemeClr val="tx1">
+                    <a:lumMod val="65000"/>
+                    <a:lumOff val="35000"/>
+                  </a:schemeClr>
+                </a:solidFill>
+              </a:rPr>
+              <a:t> parent</a:t>
+            </a:r>
+            <a:r>
+              <a:rPr lang="en-US" dirty="0" smtClean="0">
+                <a:solidFill>
+                  <a:schemeClr val="tx1">
+                    <a:lumMod val="65000"/>
+                    <a:lumOff val="35000"/>
+                  </a:schemeClr>
+                </a:solidFill>
+              </a:rPr>
+              <a:t>)</a:t>
+            </a:r>
+          </a:p>
+        </p:txBody>
+      </p:sp>
+    </p:spTree>
+    <p:extLst>
+      <p:ext uri="{BB962C8B-B14F-4D97-AF65-F5344CB8AC3E}">
+        <p14:creationId xmlns:p14="http://schemas.microsoft.com/office/powerpoint/2010/main" val="3412204435"/>
+      </p:ext>
+    </p:extLst>
+  </p:cSld>
+  <p:clrMapOvr>
+    <a:masterClrMapping/>
+  </p:clrMapOvr>
+</p:sld>
+</file>
+
+<file path=ppt/slides/slide13.xml><?xml version="1.0" encoding="utf-8"?>
+<p:sld xmlns:a="http://schemas.openxmlformats.org/drawingml/2006/main" xmlns:r="http://schemas.openxmlformats.org/officeDocument/2006/relationships" xmlns:p="http://schemas.openxmlformats.org/presentationml/2006/main">
+  <p:cSld>
+    <p:spTree>
+      <p:nvGrpSpPr>
+        <p:cNvPr id="1" name=""/>
+        <p:cNvGrpSpPr/>
+        <p:nvPr/>
+      </p:nvGrpSpPr>
+      <p:grpSpPr>
+        <a:xfrm>
+          <a:off x="0" y="0"/>
+          <a:ext cx="0" cy="0"/>
+          <a:chOff x="0" y="0"/>
+          <a:chExt cx="0" cy="0"/>
+        </a:xfrm>
+      </p:grpSpPr>
+      <p:sp>
+        <p:nvSpPr>
+          <p:cNvPr id="2" name="Title 1"/>
+          <p:cNvSpPr>
+            <a:spLocks noGrp="1"/>
+          </p:cNvSpPr>
+          <p:nvPr>
+            <p:ph type="title"/>
+          </p:nvPr>
+        </p:nvSpPr>
+        <p:spPr/>
+        <p:txBody>
+          <a:bodyPr/>
+          <a:lstStyle/>
+          <a:p>
+            <a:r>
+              <a:rPr lang="en-US" dirty="0" smtClean="0"/>
+              <a:t>How Adapters work</a:t>
+            </a:r>
+            <a:endParaRPr lang="en-US" dirty="0"/>
+          </a:p>
+        </p:txBody>
+      </p:sp>
+      <p:sp>
+        <p:nvSpPr>
+          <p:cNvPr id="5" name="TextBox 4"/>
+          <p:cNvSpPr txBox="1"/>
+          <p:nvPr/>
+        </p:nvSpPr>
+        <p:spPr>
+          <a:xfrm>
+            <a:off x="1560450" y="2404775"/>
+            <a:ext cx="184666" cy="369332"/>
+          </a:xfrm>
+          <a:prstGeom prst="rect">
+            <a:avLst/>
+          </a:prstGeom>
+          <a:noFill/>
+        </p:spPr>
+        <p:txBody>
+          <a:bodyPr wrap="none" rtlCol="0">
+            <a:spAutoFit/>
+          </a:bodyPr>
+          <a:lstStyle/>
+          <a:p>
+            <a:endParaRPr lang="en-US" dirty="0"/>
+          </a:p>
+        </p:txBody>
+      </p:sp>
+      <p:sp>
+        <p:nvSpPr>
+          <p:cNvPr id="8" name="Content Placeholder 2"/>
+          <p:cNvSpPr>
+            <a:spLocks noGrp="1"/>
+          </p:cNvSpPr>
+          <p:nvPr>
+            <p:ph idx="1"/>
+          </p:nvPr>
+        </p:nvSpPr>
+        <p:spPr>
+          <a:xfrm>
+            <a:off x="457200" y="1600200"/>
+            <a:ext cx="8229600" cy="4525963"/>
+          </a:xfrm>
+        </p:spPr>
+        <p:txBody>
+          <a:bodyPr/>
+          <a:lstStyle/>
+          <a:p>
+            <a:r>
+              <a:rPr lang="en-US" dirty="0" err="1" smtClean="0">
+                <a:solidFill>
+                  <a:schemeClr val="accent4">
+                    <a:lumMod val="75000"/>
+                  </a:schemeClr>
+                </a:solidFill>
+              </a:rPr>
+              <a:t>getCount</a:t>
+            </a:r>
+            <a:r>
+              <a:rPr lang="en-US" dirty="0" smtClean="0">
+                <a:solidFill>
+                  <a:srgbClr val="604A7B"/>
+                </a:solidFill>
+              </a:rPr>
+              <a:t>()</a:t>
+            </a:r>
+          </a:p>
+          <a:p>
+            <a:endParaRPr lang="en-US" dirty="0">
+              <a:solidFill>
+                <a:schemeClr val="tx1">
+                  <a:lumMod val="65000"/>
+                  <a:lumOff val="35000"/>
+                </a:schemeClr>
+              </a:solidFill>
+            </a:endParaRPr>
+          </a:p>
+          <a:p>
+            <a:pPr marL="0" indent="0">
+              <a:buNone/>
+            </a:pPr>
+            <a:r>
+              <a:rPr lang="en-US" dirty="0" smtClean="0">
+                <a:solidFill>
+                  <a:schemeClr val="tx1">
+                    <a:lumMod val="65000"/>
+                    <a:lumOff val="35000"/>
+                  </a:schemeClr>
+                </a:solidFill>
+              </a:rPr>
+              <a:t>Exactly what it says – returns the number of items in the current data set</a:t>
+            </a:r>
+            <a:endParaRPr lang="en-US" dirty="0" smtClean="0">
+              <a:solidFill>
+                <a:schemeClr val="tx1">
+                  <a:lumMod val="65000"/>
+                  <a:lumOff val="35000"/>
+                </a:schemeClr>
+              </a:solidFill>
+            </a:endParaRPr>
+          </a:p>
+        </p:txBody>
+      </p:sp>
+    </p:spTree>
+    <p:extLst>
+      <p:ext uri="{BB962C8B-B14F-4D97-AF65-F5344CB8AC3E}">
+        <p14:creationId xmlns:p14="http://schemas.microsoft.com/office/powerpoint/2010/main" val="188689670"/>
+      </p:ext>
+    </p:extLst>
+  </p:cSld>
+  <p:clrMapOvr>
+    <a:masterClrMapping/>
+  </p:clrMapOvr>
+</p:sld>
+</file>
+
+<file path=ppt/slides/slide14.xml><?xml version="1.0" encoding="utf-8"?>
+<p:sld xmlns:a="http://schemas.openxmlformats.org/drawingml/2006/main" xmlns:r="http://schemas.openxmlformats.org/officeDocument/2006/relationships" xmlns:p="http://schemas.openxmlformats.org/presentationml/2006/main">
+  <p:cSld>
+    <p:spTree>
+      <p:nvGrpSpPr>
+        <p:cNvPr id="1" name=""/>
+        <p:cNvGrpSpPr/>
+        <p:nvPr/>
+      </p:nvGrpSpPr>
+      <p:grpSpPr>
+        <a:xfrm>
+          <a:off x="0" y="0"/>
+          <a:ext cx="0" cy="0"/>
+          <a:chOff x="0" y="0"/>
+          <a:chExt cx="0" cy="0"/>
+        </a:xfrm>
+      </p:grpSpPr>
+      <p:sp>
+        <p:nvSpPr>
+          <p:cNvPr id="2" name="Title 1"/>
+          <p:cNvSpPr>
+            <a:spLocks noGrp="1"/>
+          </p:cNvSpPr>
+          <p:nvPr>
+            <p:ph type="title"/>
+          </p:nvPr>
+        </p:nvSpPr>
+        <p:spPr/>
+        <p:txBody>
+          <a:bodyPr/>
+          <a:lstStyle/>
+          <a:p>
+            <a:r>
+              <a:rPr lang="en-US" dirty="0" smtClean="0"/>
+              <a:t>How Adapters work</a:t>
+            </a:r>
+            <a:endParaRPr lang="en-US" dirty="0"/>
+          </a:p>
+        </p:txBody>
+      </p:sp>
+      <p:sp>
+        <p:nvSpPr>
+          <p:cNvPr id="5" name="TextBox 4"/>
+          <p:cNvSpPr txBox="1"/>
+          <p:nvPr/>
+        </p:nvSpPr>
+        <p:spPr>
+          <a:xfrm>
+            <a:off x="1560450" y="2404775"/>
+            <a:ext cx="184666" cy="369332"/>
+          </a:xfrm>
+          <a:prstGeom prst="rect">
+            <a:avLst/>
+          </a:prstGeom>
+          <a:noFill/>
+        </p:spPr>
+        <p:txBody>
+          <a:bodyPr wrap="none" rtlCol="0">
+            <a:spAutoFit/>
+          </a:bodyPr>
+          <a:lstStyle/>
+          <a:p>
+            <a:endParaRPr lang="en-US" dirty="0"/>
+          </a:p>
+        </p:txBody>
+      </p:sp>
+      <p:sp>
+        <p:nvSpPr>
+          <p:cNvPr id="8" name="Content Placeholder 2"/>
+          <p:cNvSpPr>
+            <a:spLocks noGrp="1"/>
+          </p:cNvSpPr>
+          <p:nvPr>
+            <p:ph idx="1"/>
+          </p:nvPr>
+        </p:nvSpPr>
+        <p:spPr>
+          <a:xfrm>
+            <a:off x="457200" y="1600200"/>
+            <a:ext cx="8229600" cy="4525963"/>
+          </a:xfrm>
+        </p:spPr>
+        <p:txBody>
+          <a:bodyPr/>
+          <a:lstStyle/>
+          <a:p>
+            <a:r>
+              <a:rPr lang="en-US" dirty="0" err="1" smtClean="0">
+                <a:solidFill>
+                  <a:schemeClr val="accent4">
+                    <a:lumMod val="75000"/>
+                  </a:schemeClr>
+                </a:solidFill>
+              </a:rPr>
+              <a:t>getItem</a:t>
+            </a:r>
+            <a:r>
+              <a:rPr lang="en-US" dirty="0" smtClean="0">
+                <a:solidFill>
+                  <a:srgbClr val="604A7B"/>
+                </a:solidFill>
+              </a:rPr>
+              <a:t>(</a:t>
+            </a:r>
+            <a:r>
+              <a:rPr lang="en-US" dirty="0" err="1" smtClean="0">
+                <a:solidFill>
+                  <a:srgbClr val="604A7B"/>
+                </a:solidFill>
+              </a:rPr>
+              <a:t>int</a:t>
+            </a:r>
+            <a:r>
+              <a:rPr lang="en-US" dirty="0" smtClean="0">
+                <a:solidFill>
+                  <a:srgbClr val="604A7B"/>
+                </a:solidFill>
+              </a:rPr>
+              <a:t> position)</a:t>
+            </a:r>
+          </a:p>
+          <a:p>
+            <a:endParaRPr lang="en-US" dirty="0">
+              <a:solidFill>
+                <a:schemeClr val="tx1">
+                  <a:lumMod val="65000"/>
+                  <a:lumOff val="35000"/>
+                </a:schemeClr>
+              </a:solidFill>
+            </a:endParaRPr>
+          </a:p>
+          <a:p>
+            <a:pPr marL="0" indent="0">
+              <a:buNone/>
+            </a:pPr>
+            <a:r>
+              <a:rPr lang="en-US" dirty="0" smtClean="0">
+                <a:solidFill>
+                  <a:schemeClr val="tx1">
+                    <a:lumMod val="65000"/>
+                    <a:lumOff val="35000"/>
+                  </a:schemeClr>
+                </a:solidFill>
+              </a:rPr>
+              <a:t>Returns the item from the data set at the specific position</a:t>
+            </a:r>
+            <a:endParaRPr lang="en-US" dirty="0" smtClean="0">
+              <a:solidFill>
+                <a:schemeClr val="tx1">
+                  <a:lumMod val="65000"/>
+                  <a:lumOff val="35000"/>
+                </a:schemeClr>
+              </a:solidFill>
+            </a:endParaRPr>
+          </a:p>
+        </p:txBody>
+      </p:sp>
+    </p:spTree>
+    <p:extLst>
+      <p:ext uri="{BB962C8B-B14F-4D97-AF65-F5344CB8AC3E}">
+        <p14:creationId xmlns:p14="http://schemas.microsoft.com/office/powerpoint/2010/main" val="525274595"/>
+      </p:ext>
+    </p:extLst>
+  </p:cSld>
+  <p:clrMapOvr>
+    <a:masterClrMapping/>
+  </p:clrMapOvr>
+</p:sld>
+</file>
+
+<file path=ppt/slides/slide15.xml><?xml version="1.0" encoding="utf-8"?>
+<p:sld xmlns:a="http://schemas.openxmlformats.org/drawingml/2006/main" xmlns:r="http://schemas.openxmlformats.org/officeDocument/2006/relationships" xmlns:p="http://schemas.openxmlformats.org/presentationml/2006/main">
+  <p:cSld>
+    <p:spTree>
+      <p:nvGrpSpPr>
+        <p:cNvPr id="1" name=""/>
+        <p:cNvGrpSpPr/>
+        <p:nvPr/>
+      </p:nvGrpSpPr>
+      <p:grpSpPr>
+        <a:xfrm>
+          <a:off x="0" y="0"/>
+          <a:ext cx="0" cy="0"/>
+          <a:chOff x="0" y="0"/>
+          <a:chExt cx="0" cy="0"/>
+        </a:xfrm>
+      </p:grpSpPr>
+      <p:sp>
+        <p:nvSpPr>
+          <p:cNvPr id="2" name="Title 1"/>
+          <p:cNvSpPr>
+            <a:spLocks noGrp="1"/>
+          </p:cNvSpPr>
+          <p:nvPr>
+            <p:ph type="title"/>
+          </p:nvPr>
+        </p:nvSpPr>
+        <p:spPr/>
+        <p:txBody>
+          <a:bodyPr/>
+          <a:lstStyle/>
+          <a:p>
+            <a:r>
+              <a:rPr lang="en-US" dirty="0" smtClean="0"/>
+              <a:t>How Adapters work</a:t>
+            </a:r>
+            <a:endParaRPr lang="en-US" dirty="0"/>
+          </a:p>
+        </p:txBody>
+      </p:sp>
+      <p:sp>
+        <p:nvSpPr>
+          <p:cNvPr id="5" name="TextBox 4"/>
+          <p:cNvSpPr txBox="1"/>
+          <p:nvPr/>
+        </p:nvSpPr>
+        <p:spPr>
+          <a:xfrm>
+            <a:off x="1560450" y="2404775"/>
+            <a:ext cx="184666" cy="369332"/>
+          </a:xfrm>
+          <a:prstGeom prst="rect">
+            <a:avLst/>
+          </a:prstGeom>
+          <a:noFill/>
+        </p:spPr>
+        <p:txBody>
+          <a:bodyPr wrap="none" rtlCol="0">
+            <a:spAutoFit/>
+          </a:bodyPr>
+          <a:lstStyle/>
+          <a:p>
+            <a:endParaRPr lang="en-US" dirty="0"/>
+          </a:p>
+        </p:txBody>
+      </p:sp>
+      <p:sp>
+        <p:nvSpPr>
+          <p:cNvPr id="8" name="Content Placeholder 2"/>
+          <p:cNvSpPr>
+            <a:spLocks noGrp="1"/>
+          </p:cNvSpPr>
+          <p:nvPr>
+            <p:ph idx="1"/>
+          </p:nvPr>
+        </p:nvSpPr>
+        <p:spPr>
+          <a:xfrm>
+            <a:off x="457200" y="1600200"/>
+            <a:ext cx="8229600" cy="4525963"/>
+          </a:xfrm>
+        </p:spPr>
+        <p:txBody>
+          <a:bodyPr/>
+          <a:lstStyle/>
+          <a:p>
+            <a:r>
+              <a:rPr lang="en-US" dirty="0" err="1" smtClean="0">
+                <a:solidFill>
+                  <a:schemeClr val="accent4">
+                    <a:lumMod val="75000"/>
+                  </a:schemeClr>
+                </a:solidFill>
+              </a:rPr>
+              <a:t>getItemId</a:t>
+            </a:r>
+            <a:r>
+              <a:rPr lang="en-US" dirty="0" smtClean="0">
+                <a:solidFill>
+                  <a:srgbClr val="604A7B"/>
+                </a:solidFill>
+              </a:rPr>
+              <a:t>(</a:t>
+            </a:r>
+            <a:r>
+              <a:rPr lang="en-US" dirty="0" err="1" smtClean="0">
+                <a:solidFill>
+                  <a:srgbClr val="604A7B"/>
+                </a:solidFill>
+              </a:rPr>
+              <a:t>int</a:t>
+            </a:r>
+            <a:r>
+              <a:rPr lang="en-US" dirty="0" smtClean="0">
+                <a:solidFill>
+                  <a:srgbClr val="604A7B"/>
+                </a:solidFill>
+              </a:rPr>
+              <a:t> position)</a:t>
+            </a:r>
+          </a:p>
+          <a:p>
+            <a:endParaRPr lang="en-US" dirty="0">
+              <a:solidFill>
+                <a:schemeClr val="tx1">
+                  <a:lumMod val="65000"/>
+                  <a:lumOff val="35000"/>
+                </a:schemeClr>
+              </a:solidFill>
+            </a:endParaRPr>
+          </a:p>
+          <a:p>
+            <a:pPr marL="0" indent="0">
+              <a:buNone/>
+            </a:pPr>
+            <a:r>
+              <a:rPr lang="en-US" dirty="0" smtClean="0">
+                <a:solidFill>
+                  <a:schemeClr val="tx1">
+                    <a:lumMod val="65000"/>
+                    <a:lumOff val="35000"/>
+                  </a:schemeClr>
+                </a:solidFill>
+              </a:rPr>
+              <a:t>Returns the item’s id at the position. Can just return 0, but return a reliable </a:t>
+            </a:r>
+            <a:r>
+              <a:rPr lang="en-US" dirty="0" err="1" smtClean="0">
+                <a:solidFill>
+                  <a:schemeClr val="tx1">
+                    <a:lumMod val="65000"/>
+                    <a:lumOff val="35000"/>
+                  </a:schemeClr>
+                </a:solidFill>
+              </a:rPr>
+              <a:t>int</a:t>
+            </a:r>
+            <a:r>
+              <a:rPr lang="en-US" dirty="0" smtClean="0">
+                <a:solidFill>
+                  <a:schemeClr val="tx1">
+                    <a:lumMod val="65000"/>
+                    <a:lumOff val="35000"/>
+                  </a:schemeClr>
+                </a:solidFill>
+              </a:rPr>
+              <a:t> ID/representation of the item to increase performance of the list view</a:t>
+            </a:r>
+            <a:endParaRPr lang="en-US" dirty="0" smtClean="0">
+              <a:solidFill>
+                <a:schemeClr val="tx1">
+                  <a:lumMod val="65000"/>
+                  <a:lumOff val="35000"/>
+                </a:schemeClr>
+              </a:solidFill>
+            </a:endParaRPr>
+          </a:p>
+        </p:txBody>
+      </p:sp>
+    </p:spTree>
+    <p:extLst>
+      <p:ext uri="{BB962C8B-B14F-4D97-AF65-F5344CB8AC3E}">
+        <p14:creationId xmlns:p14="http://schemas.microsoft.com/office/powerpoint/2010/main" val="3208366382"/>
+      </p:ext>
+    </p:extLst>
+  </p:cSld>
+  <p:clrMapOvr>
+    <a:masterClrMapping/>
+  </p:clrMapOvr>
+</p:sld>
+</file>
+
+<file path=ppt/slides/slide16.xml><?xml version="1.0" encoding="utf-8"?>
+<p:sld xmlns:a="http://schemas.openxmlformats.org/drawingml/2006/main" xmlns:r="http://schemas.openxmlformats.org/officeDocument/2006/relationships" xmlns:p="http://schemas.openxmlformats.org/presentationml/2006/main">
+  <p:cSld>
+    <p:spTree>
+      <p:nvGrpSpPr>
+        <p:cNvPr id="1" name=""/>
+        <p:cNvGrpSpPr/>
+        <p:nvPr/>
+      </p:nvGrpSpPr>
+      <p:grpSpPr>
+        <a:xfrm>
+          <a:off x="0" y="0"/>
+          <a:ext cx="0" cy="0"/>
+          <a:chOff x="0" y="0"/>
+          <a:chExt cx="0" cy="0"/>
+        </a:xfrm>
+      </p:grpSpPr>
+      <p:sp>
+        <p:nvSpPr>
+          <p:cNvPr id="2" name="Title 1"/>
+          <p:cNvSpPr>
+            <a:spLocks noGrp="1"/>
+          </p:cNvSpPr>
+          <p:nvPr>
+            <p:ph type="title"/>
+          </p:nvPr>
+        </p:nvSpPr>
+        <p:spPr/>
+        <p:txBody>
+          <a:bodyPr/>
+          <a:lstStyle/>
+          <a:p>
+            <a:r>
+              <a:rPr lang="en-US" dirty="0" smtClean="0"/>
+              <a:t>How Adapters work</a:t>
+            </a:r>
+            <a:endParaRPr lang="en-US" dirty="0"/>
+          </a:p>
+        </p:txBody>
+      </p:sp>
+      <p:sp>
+        <p:nvSpPr>
+          <p:cNvPr id="5" name="TextBox 4"/>
+          <p:cNvSpPr txBox="1"/>
+          <p:nvPr/>
+        </p:nvSpPr>
+        <p:spPr>
+          <a:xfrm>
+            <a:off x="1560450" y="2404775"/>
+            <a:ext cx="184666" cy="369332"/>
+          </a:xfrm>
+          <a:prstGeom prst="rect">
+            <a:avLst/>
+          </a:prstGeom>
+          <a:noFill/>
+        </p:spPr>
+        <p:txBody>
+          <a:bodyPr wrap="none" rtlCol="0">
+            <a:spAutoFit/>
+          </a:bodyPr>
+          <a:lstStyle/>
+          <a:p>
+            <a:endParaRPr lang="en-US" dirty="0"/>
+          </a:p>
+        </p:txBody>
+      </p:sp>
+      <p:sp>
+        <p:nvSpPr>
+          <p:cNvPr id="8" name="Content Placeholder 2"/>
+          <p:cNvSpPr>
+            <a:spLocks noGrp="1"/>
+          </p:cNvSpPr>
+          <p:nvPr>
+            <p:ph idx="1"/>
+          </p:nvPr>
+        </p:nvSpPr>
+        <p:spPr>
+          <a:xfrm>
+            <a:off x="457200" y="1600200"/>
+            <a:ext cx="8229600" cy="4525963"/>
+          </a:xfrm>
+        </p:spPr>
+        <p:txBody>
+          <a:bodyPr>
+            <a:normAutofit lnSpcReduction="10000"/>
+          </a:bodyPr>
+          <a:lstStyle/>
+          <a:p>
+            <a:r>
+              <a:rPr lang="en-US" dirty="0" err="1" smtClean="0">
+                <a:solidFill>
+                  <a:schemeClr val="accent4">
+                    <a:lumMod val="75000"/>
+                  </a:schemeClr>
+                </a:solidFill>
+              </a:rPr>
+              <a:t>getView</a:t>
+            </a:r>
+            <a:r>
+              <a:rPr lang="en-US" dirty="0">
+                <a:solidFill>
+                  <a:schemeClr val="accent4">
+                    <a:lumMod val="75000"/>
+                  </a:schemeClr>
+                </a:solidFill>
+              </a:rPr>
+              <a:t>(</a:t>
+            </a:r>
+            <a:r>
+              <a:rPr lang="en-US" dirty="0" err="1">
+                <a:solidFill>
+                  <a:schemeClr val="accent4">
+                    <a:lumMod val="75000"/>
+                  </a:schemeClr>
+                </a:solidFill>
+              </a:rPr>
+              <a:t>int</a:t>
+            </a:r>
+            <a:r>
+              <a:rPr lang="en-US" dirty="0">
+                <a:solidFill>
+                  <a:schemeClr val="accent4">
+                    <a:lumMod val="75000"/>
+                  </a:schemeClr>
+                </a:solidFill>
+              </a:rPr>
+              <a:t> position, View </a:t>
+            </a:r>
+            <a:r>
+              <a:rPr lang="en-US" dirty="0" err="1">
+                <a:solidFill>
+                  <a:schemeClr val="accent4">
+                    <a:lumMod val="75000"/>
+                  </a:schemeClr>
+                </a:solidFill>
+              </a:rPr>
+              <a:t>convertView</a:t>
+            </a:r>
+            <a:r>
+              <a:rPr lang="en-US" dirty="0">
+                <a:solidFill>
+                  <a:schemeClr val="accent4">
+                    <a:lumMod val="75000"/>
+                  </a:schemeClr>
+                </a:solidFill>
+              </a:rPr>
+              <a:t>, </a:t>
+            </a:r>
+            <a:r>
+              <a:rPr lang="en-US" dirty="0" err="1">
+                <a:solidFill>
+                  <a:schemeClr val="accent4">
+                    <a:lumMod val="75000"/>
+                  </a:schemeClr>
+                </a:solidFill>
+              </a:rPr>
+              <a:t>ViewGroup</a:t>
+            </a:r>
+            <a:r>
+              <a:rPr lang="en-US" dirty="0">
+                <a:solidFill>
+                  <a:schemeClr val="accent4">
+                    <a:lumMod val="75000"/>
+                  </a:schemeClr>
+                </a:solidFill>
+              </a:rPr>
+              <a:t> parent</a:t>
+            </a:r>
+            <a:r>
+              <a:rPr lang="en-US" dirty="0" smtClean="0">
+                <a:solidFill>
+                  <a:schemeClr val="accent4">
+                    <a:lumMod val="75000"/>
+                  </a:schemeClr>
+                </a:solidFill>
+              </a:rPr>
+              <a:t>)</a:t>
+            </a:r>
+          </a:p>
+          <a:p>
+            <a:endParaRPr lang="en-US" dirty="0">
+              <a:solidFill>
+                <a:schemeClr val="tx1">
+                  <a:lumMod val="65000"/>
+                  <a:lumOff val="35000"/>
+                </a:schemeClr>
+              </a:solidFill>
+            </a:endParaRPr>
+          </a:p>
+          <a:p>
+            <a:pPr marL="0" indent="0">
+              <a:buNone/>
+            </a:pPr>
+            <a:r>
+              <a:rPr lang="en-US" sz="2600" dirty="0" smtClean="0">
+                <a:solidFill>
+                  <a:schemeClr val="tx1">
+                    <a:lumMod val="65000"/>
+                    <a:lumOff val="35000"/>
+                  </a:schemeClr>
+                </a:solidFill>
+              </a:rPr>
+              <a:t>Returns the view in the list. This is where we do all of our data inflating into the screen which the user sees.</a:t>
+            </a:r>
+          </a:p>
+          <a:p>
+            <a:pPr marL="0" indent="0">
+              <a:buNone/>
+            </a:pPr>
+            <a:endParaRPr lang="en-US" sz="2600" dirty="0">
+              <a:solidFill>
+                <a:schemeClr val="tx1">
+                  <a:lumMod val="65000"/>
+                  <a:lumOff val="35000"/>
+                </a:schemeClr>
+              </a:solidFill>
+            </a:endParaRPr>
+          </a:p>
+          <a:p>
+            <a:pPr marL="0" indent="0">
+              <a:buNone/>
+            </a:pPr>
+            <a:r>
+              <a:rPr lang="en-US" sz="2600" dirty="0" smtClean="0">
+                <a:solidFill>
+                  <a:srgbClr val="604A7B"/>
+                </a:solidFill>
+              </a:rPr>
+              <a:t>Position</a:t>
+            </a:r>
+            <a:r>
+              <a:rPr lang="en-US" sz="2600" dirty="0" smtClean="0">
+                <a:solidFill>
+                  <a:schemeClr val="tx1">
+                    <a:lumMod val="65000"/>
+                    <a:lumOff val="35000"/>
+                  </a:schemeClr>
+                </a:solidFill>
+              </a:rPr>
+              <a:t> is the position of the item in the dataset</a:t>
+            </a:r>
+          </a:p>
+          <a:p>
+            <a:pPr marL="0" indent="0">
+              <a:buNone/>
+            </a:pPr>
+            <a:r>
+              <a:rPr lang="en-US" sz="2600" dirty="0" err="1" smtClean="0">
+                <a:solidFill>
+                  <a:srgbClr val="604A7B"/>
+                </a:solidFill>
+              </a:rPr>
+              <a:t>ConvertView</a:t>
+            </a:r>
+            <a:r>
+              <a:rPr lang="en-US" sz="2600" dirty="0">
+                <a:solidFill>
+                  <a:srgbClr val="604A7B"/>
+                </a:solidFill>
+              </a:rPr>
+              <a:t> </a:t>
+            </a:r>
+            <a:r>
+              <a:rPr lang="en-US" sz="2600" dirty="0" smtClean="0">
+                <a:solidFill>
+                  <a:schemeClr val="tx1">
+                    <a:lumMod val="65000"/>
+                    <a:lumOff val="35000"/>
+                  </a:schemeClr>
+                </a:solidFill>
+              </a:rPr>
+              <a:t>is the view that will be shown</a:t>
+            </a:r>
+          </a:p>
+          <a:p>
+            <a:pPr marL="0" indent="0">
+              <a:buNone/>
+            </a:pPr>
+            <a:r>
+              <a:rPr lang="en-US" sz="2600" dirty="0" smtClean="0">
+                <a:solidFill>
+                  <a:srgbClr val="604A7B"/>
+                </a:solidFill>
+              </a:rPr>
+              <a:t>Parent</a:t>
+            </a:r>
+            <a:r>
+              <a:rPr lang="en-US" sz="2600" dirty="0" smtClean="0">
+                <a:solidFill>
+                  <a:schemeClr val="tx1">
+                    <a:lumMod val="65000"/>
+                    <a:lumOff val="35000"/>
+                  </a:schemeClr>
+                </a:solidFill>
+              </a:rPr>
+              <a:t> is the parent view of the view being shown (usually the list view)</a:t>
+            </a:r>
+            <a:endParaRPr lang="en-US" sz="2600" dirty="0" smtClean="0">
+              <a:solidFill>
+                <a:schemeClr val="tx1">
+                  <a:lumMod val="65000"/>
+                  <a:lumOff val="35000"/>
+                </a:schemeClr>
+              </a:solidFill>
+            </a:endParaRPr>
+          </a:p>
+        </p:txBody>
+      </p:sp>
+    </p:spTree>
+    <p:extLst>
+      <p:ext uri="{BB962C8B-B14F-4D97-AF65-F5344CB8AC3E}">
+        <p14:creationId xmlns:p14="http://schemas.microsoft.com/office/powerpoint/2010/main" val="2518850939"/>
+      </p:ext>
+    </p:extLst>
+  </p:cSld>
+  <p:clrMapOvr>
+    <a:masterClrMapping/>
+  </p:clrMapOvr>
+</p:sld>
+</file>
+
+<file path=ppt/slides/slide17.xml><?xml version="1.0" encoding="utf-8"?>
+<p:sld xmlns:a="http://schemas.openxmlformats.org/drawingml/2006/main" xmlns:r="http://schemas.openxmlformats.org/officeDocument/2006/relationships" xmlns:p="http://schemas.openxmlformats.org/presentationml/2006/main">
+  <p:cSld>
+    <p:spTree>
+      <p:nvGrpSpPr>
+        <p:cNvPr id="1" name=""/>
+        <p:cNvGrpSpPr/>
+        <p:nvPr/>
+      </p:nvGrpSpPr>
+      <p:grpSpPr>
+        <a:xfrm>
+          <a:off x="0" y="0"/>
+          <a:ext cx="0" cy="0"/>
+          <a:chOff x="0" y="0"/>
+          <a:chExt cx="0" cy="0"/>
+        </a:xfrm>
+      </p:grpSpPr>
+      <p:sp>
+        <p:nvSpPr>
+          <p:cNvPr id="2" name="Title 1"/>
+          <p:cNvSpPr>
+            <a:spLocks noGrp="1"/>
+          </p:cNvSpPr>
+          <p:nvPr>
+            <p:ph type="title"/>
+          </p:nvPr>
+        </p:nvSpPr>
+        <p:spPr/>
+        <p:txBody>
+          <a:bodyPr/>
+          <a:lstStyle/>
+          <a:p>
+            <a:r>
+              <a:rPr lang="en-US" dirty="0" smtClean="0"/>
+              <a:t>How List Views work</a:t>
+            </a:r>
+            <a:endParaRPr lang="en-US" dirty="0"/>
+          </a:p>
+        </p:txBody>
+      </p:sp>
+      <p:sp>
+        <p:nvSpPr>
+          <p:cNvPr id="5" name="TextBox 4"/>
+          <p:cNvSpPr txBox="1"/>
+          <p:nvPr/>
+        </p:nvSpPr>
+        <p:spPr>
+          <a:xfrm>
+            <a:off x="1560450" y="2404775"/>
+            <a:ext cx="184666" cy="369332"/>
+          </a:xfrm>
+          <a:prstGeom prst="rect">
+            <a:avLst/>
+          </a:prstGeom>
+          <a:noFill/>
+        </p:spPr>
+        <p:txBody>
+          <a:bodyPr wrap="none" rtlCol="0">
+            <a:spAutoFit/>
+          </a:bodyPr>
+          <a:lstStyle/>
+          <a:p>
+            <a:endParaRPr lang="en-US" dirty="0"/>
+          </a:p>
+        </p:txBody>
+      </p:sp>
+      <p:pic>
+        <p:nvPicPr>
+          <p:cNvPr id="3" name="Content Placeholder 2"/>
+          <p:cNvPicPr>
+            <a:picLocks noGrp="1" noChangeAspect="1"/>
+          </p:cNvPicPr>
+          <p:nvPr>
+            <p:ph idx="1"/>
+          </p:nvPr>
+        </p:nvPicPr>
+        <p:blipFill>
+          <a:blip r:embed="rId3"/>
+          <a:srcRect t="-5305" b="-5305"/>
+          <a:stretch>
+            <a:fillRect/>
+          </a:stretch>
+        </p:blipFill>
+        <p:spPr>
+          <a:xfrm>
+            <a:off x="1443458" y="1917683"/>
+            <a:ext cx="6446609" cy="3545387"/>
+          </a:xfrm>
+        </p:spPr>
+      </p:pic>
+    </p:spTree>
+    <p:extLst>
+      <p:ext uri="{BB962C8B-B14F-4D97-AF65-F5344CB8AC3E}">
+        <p14:creationId xmlns:p14="http://schemas.microsoft.com/office/powerpoint/2010/main" val="3635697530"/>
+      </p:ext>
+    </p:extLst>
+  </p:cSld>
+  <p:clrMapOvr>
+    <a:masterClrMapping/>
+  </p:clrMapOvr>
+</p:sld>
+</file>
+
+<file path=ppt/slides/slide18.xml><?xml version="1.0" encoding="utf-8"?>
+<p:sld xmlns:a="http://schemas.openxmlformats.org/drawingml/2006/main" xmlns:r="http://schemas.openxmlformats.org/officeDocument/2006/relationships" xmlns:p="http://schemas.openxmlformats.org/presentationml/2006/main">
+  <p:cSld>
+    <p:spTree>
+      <p:nvGrpSpPr>
+        <p:cNvPr id="1" name=""/>
+        <p:cNvGrpSpPr/>
+        <p:nvPr/>
+      </p:nvGrpSpPr>
+      <p:grpSpPr>
+        <a:xfrm>
+          <a:off x="0" y="0"/>
+          <a:ext cx="0" cy="0"/>
+          <a:chOff x="0" y="0"/>
+          <a:chExt cx="0" cy="0"/>
+        </a:xfrm>
+      </p:grpSpPr>
+      <p:sp>
+        <p:nvSpPr>
+          <p:cNvPr id="2" name="Title 1"/>
+          <p:cNvSpPr>
+            <a:spLocks noGrp="1"/>
+          </p:cNvSpPr>
+          <p:nvPr>
+            <p:ph type="title"/>
+          </p:nvPr>
+        </p:nvSpPr>
+        <p:spPr/>
+        <p:txBody>
+          <a:bodyPr/>
+          <a:lstStyle/>
+          <a:p>
+            <a:r>
+              <a:rPr lang="en-US" dirty="0" smtClean="0"/>
+              <a:t>How List Views work</a:t>
+            </a:r>
+            <a:endParaRPr lang="en-US" dirty="0"/>
+          </a:p>
+        </p:txBody>
+      </p:sp>
+      <p:sp>
+        <p:nvSpPr>
+          <p:cNvPr id="5" name="TextBox 4"/>
+          <p:cNvSpPr txBox="1"/>
+          <p:nvPr/>
+        </p:nvSpPr>
+        <p:spPr>
+          <a:xfrm>
+            <a:off x="1560450" y="2404775"/>
+            <a:ext cx="184666" cy="369332"/>
+          </a:xfrm>
+          <a:prstGeom prst="rect">
+            <a:avLst/>
+          </a:prstGeom>
+          <a:noFill/>
+        </p:spPr>
+        <p:txBody>
+          <a:bodyPr wrap="none" rtlCol="0">
+            <a:spAutoFit/>
+          </a:bodyPr>
+          <a:lstStyle/>
+          <a:p>
+            <a:endParaRPr lang="en-US" dirty="0"/>
+          </a:p>
+        </p:txBody>
+      </p:sp>
+      <p:sp>
+        <p:nvSpPr>
+          <p:cNvPr id="4" name="Content Placeholder 3"/>
+          <p:cNvSpPr>
+            <a:spLocks noGrp="1"/>
+          </p:cNvSpPr>
+          <p:nvPr>
+            <p:ph idx="1"/>
+          </p:nvPr>
+        </p:nvSpPr>
+        <p:spPr/>
+        <p:txBody>
+          <a:bodyPr/>
+          <a:lstStyle/>
+          <a:p>
+            <a:r>
+              <a:rPr lang="en-US" dirty="0" err="1">
+                <a:solidFill>
+                  <a:srgbClr val="BFBFBF"/>
+                </a:solidFill>
+              </a:rPr>
+              <a:t>getView</a:t>
+            </a:r>
+            <a:r>
+              <a:rPr lang="en-US" dirty="0">
+                <a:solidFill>
+                  <a:srgbClr val="BFBFBF"/>
+                </a:solidFill>
+              </a:rPr>
+              <a:t>(</a:t>
+            </a:r>
+            <a:r>
+              <a:rPr lang="en-US" dirty="0" err="1">
+                <a:solidFill>
+                  <a:srgbClr val="BFBFBF"/>
+                </a:solidFill>
+              </a:rPr>
+              <a:t>int</a:t>
+            </a:r>
+            <a:r>
+              <a:rPr lang="en-US" dirty="0">
+                <a:solidFill>
+                  <a:srgbClr val="BFBFBF"/>
+                </a:solidFill>
+              </a:rPr>
+              <a:t> position, </a:t>
+            </a:r>
+            <a:r>
+              <a:rPr lang="en-US" dirty="0">
+                <a:solidFill>
+                  <a:schemeClr val="accent4">
+                    <a:lumMod val="75000"/>
+                  </a:schemeClr>
+                </a:solidFill>
+              </a:rPr>
+              <a:t>View </a:t>
+            </a:r>
+            <a:r>
+              <a:rPr lang="en-US" dirty="0" err="1">
+                <a:solidFill>
+                  <a:schemeClr val="accent4">
+                    <a:lumMod val="75000"/>
+                  </a:schemeClr>
+                </a:solidFill>
+              </a:rPr>
+              <a:t>convertView</a:t>
+            </a:r>
+            <a:r>
+              <a:rPr lang="en-US" dirty="0">
+                <a:solidFill>
+                  <a:schemeClr val="accent4">
+                    <a:lumMod val="75000"/>
+                  </a:schemeClr>
+                </a:solidFill>
+              </a:rPr>
+              <a:t>, </a:t>
+            </a:r>
+            <a:r>
+              <a:rPr lang="en-US" dirty="0" err="1">
+                <a:solidFill>
+                  <a:schemeClr val="bg1">
+                    <a:lumMod val="75000"/>
+                  </a:schemeClr>
+                </a:solidFill>
+              </a:rPr>
+              <a:t>ViewGroup</a:t>
+            </a:r>
+            <a:r>
+              <a:rPr lang="en-US" dirty="0">
+                <a:solidFill>
+                  <a:schemeClr val="bg1">
+                    <a:lumMod val="75000"/>
+                  </a:schemeClr>
+                </a:solidFill>
+              </a:rPr>
+              <a:t> parent)</a:t>
+            </a:r>
+          </a:p>
+          <a:p>
+            <a:endParaRPr lang="en-US" dirty="0"/>
+          </a:p>
+        </p:txBody>
+      </p:sp>
+      <p:pic>
+        <p:nvPicPr>
+          <p:cNvPr id="6" name="Picture 5" descr="Screen Shot 2014-02-11 at 15.44.29.png"/>
+          <p:cNvPicPr>
+            <a:picLocks noChangeAspect="1"/>
+          </p:cNvPicPr>
+          <p:nvPr/>
+        </p:nvPicPr>
+        <p:blipFill>
+          <a:blip r:embed="rId3">
+            <a:extLst>
+              <a:ext uri="{28A0092B-C50C-407E-A947-70E740481C1C}">
+                <a14:useLocalDpi xmlns:a14="http://schemas.microsoft.com/office/drawing/2010/main" val="0"/>
+              </a:ext>
+            </a:extLst>
+          </a:blip>
+          <a:stretch>
+            <a:fillRect/>
+          </a:stretch>
+        </p:blipFill>
+        <p:spPr>
+          <a:xfrm>
+            <a:off x="930064" y="3441205"/>
+            <a:ext cx="6842816" cy="1733115"/>
+          </a:xfrm>
+          <a:prstGeom prst="rect">
+            <a:avLst/>
+          </a:prstGeom>
+        </p:spPr>
+      </p:pic>
+    </p:spTree>
+    <p:extLst>
+      <p:ext uri="{BB962C8B-B14F-4D97-AF65-F5344CB8AC3E}">
+        <p14:creationId xmlns:p14="http://schemas.microsoft.com/office/powerpoint/2010/main" val="1943332313"/>
       </p:ext>
     </p:extLst>
   </p:cSld>
@@ -5571,7 +8448,7 @@
           <p:nvPr/>
         </p:nvPicPr>
         <p:blipFill>
-          <a:blip r:embed="rId2">
+          <a:blip r:embed="rId3">
             <a:extLst>
               <a:ext uri="{28A0092B-C50C-407E-A947-70E740481C1C}">
                 <a14:useLocalDpi xmlns:a14="http://schemas.microsoft.com/office/drawing/2010/main" val="0"/>
